--- a/Labs/2017-homework10.pptx
+++ b/Labs/2017-homework10.pptx
@@ -5,31 +5,126 @@
     <p:sldMasterId id="2147483648" r:id="rId1"/>
   </p:sldMasterIdLst>
   <p:sldIdLst>
-    <p:sldId id="256" r:id="rId6"/>
-    <p:sldId id="257" r:id="rId7"/>
-    <p:sldId id="258" r:id="rId8"/>
-    <p:sldId id="259" r:id="rId9"/>
-    <p:sldId id="260" r:id="rId10"/>
-    <p:sldId id="261" r:id="rId11"/>
-    <p:sldId id="262" r:id="rId12"/>
-    <p:sldId id="263" r:id="rId13"/>
-    <p:sldId id="264" r:id="rId14"/>
-    <p:sldId id="265" r:id="rId15"/>
-    <p:sldId id="266" r:id="rId16"/>
-    <p:sldId id="267" r:id="rId17"/>
-    <p:sldId id="268" r:id="rId18"/>
-    <p:sldId id="269" r:id="rId19"/>
-    <p:sldId id="270" r:id="rId20"/>
-    <p:sldId id="271" r:id="rId21"/>
-    <p:sldId id="272" r:id="rId22"/>
+    <p:sldId id="256" r:id="rId2"/>
+    <p:sldId id="257" r:id="rId3"/>
+    <p:sldId id="258" r:id="rId4"/>
+    <p:sldId id="259" r:id="rId5"/>
+    <p:sldId id="260" r:id="rId6"/>
+    <p:sldId id="261" r:id="rId7"/>
+    <p:sldId id="262" r:id="rId8"/>
+    <p:sldId id="263" r:id="rId9"/>
+    <p:sldId id="264" r:id="rId10"/>
+    <p:sldId id="265" r:id="rId11"/>
+    <p:sldId id="266" r:id="rId12"/>
+    <p:sldId id="267" r:id="rId13"/>
+    <p:sldId id="268" r:id="rId14"/>
+    <p:sldId id="269" r:id="rId15"/>
+    <p:sldId id="270" r:id="rId16"/>
+    <p:sldId id="271" r:id="rId17"/>
+    <p:sldId id="272" r:id="rId18"/>
   </p:sldIdLst>
   <p:sldSz cx="12192000" cy="6858000"/>
   <p:notesSz cx="12192000" cy="6858000"/>
+  <p:defaultTextStyle>
+    <a:defPPr>
+      <a:defRPr lang="zh-CN"/>
+    </a:defPPr>
+    <a:lvl1pPr marL="0" algn="l" defTabSz="914400" rtl="0" eaLnBrk="1" latinLnBrk="0" hangingPunct="1">
+      <a:defRPr sz="1800" kern="1200">
+        <a:solidFill>
+          <a:schemeClr val="tx1"/>
+        </a:solidFill>
+        <a:latin typeface="+mn-lt"/>
+        <a:ea typeface="+mn-ea"/>
+        <a:cs typeface="+mn-cs"/>
+      </a:defRPr>
+    </a:lvl1pPr>
+    <a:lvl2pPr marL="457200" algn="l" defTabSz="914400" rtl="0" eaLnBrk="1" latinLnBrk="0" hangingPunct="1">
+      <a:defRPr sz="1800" kern="1200">
+        <a:solidFill>
+          <a:schemeClr val="tx1"/>
+        </a:solidFill>
+        <a:latin typeface="+mn-lt"/>
+        <a:ea typeface="+mn-ea"/>
+        <a:cs typeface="+mn-cs"/>
+      </a:defRPr>
+    </a:lvl2pPr>
+    <a:lvl3pPr marL="914400" algn="l" defTabSz="914400" rtl="0" eaLnBrk="1" latinLnBrk="0" hangingPunct="1">
+      <a:defRPr sz="1800" kern="1200">
+        <a:solidFill>
+          <a:schemeClr val="tx1"/>
+        </a:solidFill>
+        <a:latin typeface="+mn-lt"/>
+        <a:ea typeface="+mn-ea"/>
+        <a:cs typeface="+mn-cs"/>
+      </a:defRPr>
+    </a:lvl3pPr>
+    <a:lvl4pPr marL="1371600" algn="l" defTabSz="914400" rtl="0" eaLnBrk="1" latinLnBrk="0" hangingPunct="1">
+      <a:defRPr sz="1800" kern="1200">
+        <a:solidFill>
+          <a:schemeClr val="tx1"/>
+        </a:solidFill>
+        <a:latin typeface="+mn-lt"/>
+        <a:ea typeface="+mn-ea"/>
+        <a:cs typeface="+mn-cs"/>
+      </a:defRPr>
+    </a:lvl4pPr>
+    <a:lvl5pPr marL="1828800" algn="l" defTabSz="914400" rtl="0" eaLnBrk="1" latinLnBrk="0" hangingPunct="1">
+      <a:defRPr sz="1800" kern="1200">
+        <a:solidFill>
+          <a:schemeClr val="tx1"/>
+        </a:solidFill>
+        <a:latin typeface="+mn-lt"/>
+        <a:ea typeface="+mn-ea"/>
+        <a:cs typeface="+mn-cs"/>
+      </a:defRPr>
+    </a:lvl5pPr>
+    <a:lvl6pPr marL="2286000" algn="l" defTabSz="914400" rtl="0" eaLnBrk="1" latinLnBrk="0" hangingPunct="1">
+      <a:defRPr sz="1800" kern="1200">
+        <a:solidFill>
+          <a:schemeClr val="tx1"/>
+        </a:solidFill>
+        <a:latin typeface="+mn-lt"/>
+        <a:ea typeface="+mn-ea"/>
+        <a:cs typeface="+mn-cs"/>
+      </a:defRPr>
+    </a:lvl6pPr>
+    <a:lvl7pPr marL="2743200" algn="l" defTabSz="914400" rtl="0" eaLnBrk="1" latinLnBrk="0" hangingPunct="1">
+      <a:defRPr sz="1800" kern="1200">
+        <a:solidFill>
+          <a:schemeClr val="tx1"/>
+        </a:solidFill>
+        <a:latin typeface="+mn-lt"/>
+        <a:ea typeface="+mn-ea"/>
+        <a:cs typeface="+mn-cs"/>
+      </a:defRPr>
+    </a:lvl7pPr>
+    <a:lvl8pPr marL="3200400" algn="l" defTabSz="914400" rtl="0" eaLnBrk="1" latinLnBrk="0" hangingPunct="1">
+      <a:defRPr sz="1800" kern="1200">
+        <a:solidFill>
+          <a:schemeClr val="tx1"/>
+        </a:solidFill>
+        <a:latin typeface="+mn-lt"/>
+        <a:ea typeface="+mn-ea"/>
+        <a:cs typeface="+mn-cs"/>
+      </a:defRPr>
+    </a:lvl8pPr>
+    <a:lvl9pPr marL="3657600" algn="l" defTabSz="914400" rtl="0" eaLnBrk="1" latinLnBrk="0" hangingPunct="1">
+      <a:defRPr sz="1800" kern="1200">
+        <a:solidFill>
+          <a:schemeClr val="tx1"/>
+        </a:solidFill>
+        <a:latin typeface="+mn-lt"/>
+        <a:ea typeface="+mn-ea"/>
+        <a:cs typeface="+mn-cs"/>
+      </a:defRPr>
+    </a:lvl9pPr>
+  </p:defaultTextStyle>
 </p:presentation>
 </file>
 
 <file path=ppt/slideLayouts/slideLayout1.xml><?xml version="1.0" encoding="utf-8"?>
-<p:sldLayout xmlns:a="http://schemas.openxmlformats.org/drawingml/2006/main" xmlns:r="http://schemas.openxmlformats.org/officeDocument/2006/relationships" xmlns:p="http://schemas.openxmlformats.org/presentationml/2006/main" preserve="1" type="obj">
+<p:sldLayout xmlns:a="http://schemas.openxmlformats.org/drawingml/2006/main" xmlns:r="http://schemas.openxmlformats.org/officeDocument/2006/relationships" xmlns:p="http://schemas.openxmlformats.org/presentationml/2006/main" type="obj" preserve="1">
   <p:cSld name="Title Slide">
     <p:spTree>
       <p:nvGrpSpPr>
@@ -77,7 +172,9 @@
               </a:defRPr>
             </a:lvl1pPr>
           </a:lstStyle>
-          <a:p/>
+          <a:p>
+            <a:endParaRPr/>
+          </a:p>
         </p:txBody>
       </p:sp>
       <p:sp>
@@ -108,7 +205,9 @@
               <a:defRPr/>
             </a:lvl1pPr>
           </a:lstStyle>
-          <a:p/>
+          <a:p>
+            <a:endParaRPr/>
+          </a:p>
         </p:txBody>
       </p:sp>
       <p:sp>
@@ -118,7 +217,7 @@
             <a:spLocks noGrp="1"/>
           </p:cNvSpPr>
           <p:nvPr>
-            <p:ph type="ftr" idx="5" sz="quarter"/>
+            <p:ph type="ftr" sz="quarter" idx="5"/>
           </p:nvPr>
         </p:nvSpPr>
         <p:spPr/>
@@ -135,7 +234,9 @@
               </a:defRPr>
             </a:lvl1pPr>
           </a:lstStyle>
-          <a:p/>
+          <a:p>
+            <a:endParaRPr/>
+          </a:p>
         </p:txBody>
       </p:sp>
       <p:sp>
@@ -145,7 +246,7 @@
             <a:spLocks noGrp="1"/>
           </p:cNvSpPr>
           <p:nvPr>
-            <p:ph type="dt" idx="6" sz="half"/>
+            <p:ph type="dt" sz="half" idx="6"/>
           </p:nvPr>
         </p:nvSpPr>
         <p:spPr/>
@@ -165,7 +266,9 @@
           <a:p>
             <a:fld id="{1D8BD707-D9CF-40AE-B4C6-C98DA3205C09}" type="datetimeFigureOut">
               <a:rPr lang="en-US"/>
+              <a:t>5/17/2018</a:t>
             </a:fld>
+            <a:endParaRPr lang="en-US"/>
           </a:p>
         </p:txBody>
       </p:sp>
@@ -176,7 +279,7 @@
             <a:spLocks noGrp="1"/>
           </p:cNvSpPr>
           <p:nvPr>
-            <p:ph type="sldNum" idx="7" sz="quarter"/>
+            <p:ph type="sldNum" sz="quarter" idx="7"/>
           </p:nvPr>
         </p:nvSpPr>
         <p:spPr/>
@@ -195,8 +298,9 @@
           </a:lstStyle>
           <a:p>
             <a:fld id="{B6F15528-21DE-4FAA-801E-634DDDAF4B2B}" type="slidenum">
-              <a:t>#</a:t>
+              <a:t>‹#›</a:t>
             </a:fld>
+            <a:endParaRPr/>
           </a:p>
         </p:txBody>
       </p:sp>
@@ -209,7 +313,7 @@
 </file>
 
 <file path=ppt/slideLayouts/slideLayout2.xml><?xml version="1.0" encoding="utf-8"?>
-<p:sldLayout xmlns:a="http://schemas.openxmlformats.org/drawingml/2006/main" xmlns:r="http://schemas.openxmlformats.org/officeDocument/2006/relationships" xmlns:p="http://schemas.openxmlformats.org/presentationml/2006/main" preserve="1" type="obj">
+<p:sldLayout xmlns:a="http://schemas.openxmlformats.org/drawingml/2006/main" xmlns:r="http://schemas.openxmlformats.org/officeDocument/2006/relationships" xmlns:p="http://schemas.openxmlformats.org/presentationml/2006/main" type="obj" preserve="1">
   <p:cSld name="Title and Content">
     <p:spTree>
       <p:nvGrpSpPr>
@@ -249,7 +353,9 @@
               </a:defRPr>
             </a:lvl1pPr>
           </a:lstStyle>
-          <a:p/>
+          <a:p>
+            <a:endParaRPr/>
+          </a:p>
         </p:txBody>
       </p:sp>
       <p:sp>
@@ -274,7 +380,9 @@
               </a:defRPr>
             </a:lvl1pPr>
           </a:lstStyle>
-          <a:p/>
+          <a:p>
+            <a:endParaRPr/>
+          </a:p>
         </p:txBody>
       </p:sp>
       <p:sp>
@@ -284,7 +392,7 @@
             <a:spLocks noGrp="1"/>
           </p:cNvSpPr>
           <p:nvPr>
-            <p:ph type="ftr" idx="5" sz="quarter"/>
+            <p:ph type="ftr" sz="quarter" idx="5"/>
           </p:nvPr>
         </p:nvSpPr>
         <p:spPr/>
@@ -301,7 +409,9 @@
               </a:defRPr>
             </a:lvl1pPr>
           </a:lstStyle>
-          <a:p/>
+          <a:p>
+            <a:endParaRPr/>
+          </a:p>
         </p:txBody>
       </p:sp>
       <p:sp>
@@ -311,7 +421,7 @@
             <a:spLocks noGrp="1"/>
           </p:cNvSpPr>
           <p:nvPr>
-            <p:ph type="dt" idx="6" sz="half"/>
+            <p:ph type="dt" sz="half" idx="6"/>
           </p:nvPr>
         </p:nvSpPr>
         <p:spPr/>
@@ -331,7 +441,9 @@
           <a:p>
             <a:fld id="{1D8BD707-D9CF-40AE-B4C6-C98DA3205C09}" type="datetimeFigureOut">
               <a:rPr lang="en-US"/>
+              <a:t>5/17/2018</a:t>
             </a:fld>
+            <a:endParaRPr lang="en-US"/>
           </a:p>
         </p:txBody>
       </p:sp>
@@ -342,7 +454,7 @@
             <a:spLocks noGrp="1"/>
           </p:cNvSpPr>
           <p:nvPr>
-            <p:ph type="sldNum" idx="7" sz="quarter"/>
+            <p:ph type="sldNum" sz="quarter" idx="7"/>
           </p:nvPr>
         </p:nvSpPr>
         <p:spPr/>
@@ -361,8 +473,9 @@
           </a:lstStyle>
           <a:p>
             <a:fld id="{B6F15528-21DE-4FAA-801E-634DDDAF4B2B}" type="slidenum">
-              <a:t>#</a:t>
+              <a:t>‹#›</a:t>
             </a:fld>
+            <a:endParaRPr/>
           </a:p>
         </p:txBody>
       </p:sp>
@@ -375,7 +488,7 @@
 </file>
 
 <file path=ppt/slideLayouts/slideLayout3.xml><?xml version="1.0" encoding="utf-8"?>
-<p:sldLayout xmlns:a="http://schemas.openxmlformats.org/drawingml/2006/main" xmlns:r="http://schemas.openxmlformats.org/officeDocument/2006/relationships" xmlns:p="http://schemas.openxmlformats.org/presentationml/2006/main" preserve="1" type="obj">
+<p:sldLayout xmlns:a="http://schemas.openxmlformats.org/drawingml/2006/main" xmlns:r="http://schemas.openxmlformats.org/officeDocument/2006/relationships" xmlns:p="http://schemas.openxmlformats.org/presentationml/2006/main" type="obj" preserve="1">
   <p:cSld name="Two Content">
     <p:spTree>
       <p:nvGrpSpPr>
@@ -415,7 +528,9 @@
               </a:defRPr>
             </a:lvl1pPr>
           </a:lstStyle>
-          <a:p/>
+          <a:p>
+            <a:endParaRPr/>
+          </a:p>
         </p:txBody>
       </p:sp>
       <p:sp>
@@ -425,7 +540,7 @@
             <a:spLocks noGrp="1"/>
           </p:cNvSpPr>
           <p:nvPr>
-            <p:ph idx="2" sz="half"/>
+            <p:ph sz="half" idx="2"/>
           </p:nvPr>
         </p:nvSpPr>
         <p:spPr>
@@ -446,7 +561,9 @@
               <a:defRPr/>
             </a:lvl1pPr>
           </a:lstStyle>
-          <a:p/>
+          <a:p>
+            <a:endParaRPr/>
+          </a:p>
         </p:txBody>
       </p:sp>
       <p:sp>
@@ -456,7 +573,7 @@
             <a:spLocks noGrp="1"/>
           </p:cNvSpPr>
           <p:nvPr>
-            <p:ph idx="3" sz="half"/>
+            <p:ph sz="half" idx="3"/>
           </p:nvPr>
         </p:nvSpPr>
         <p:spPr>
@@ -477,7 +594,9 @@
               <a:defRPr/>
             </a:lvl1pPr>
           </a:lstStyle>
-          <a:p/>
+          <a:p>
+            <a:endParaRPr/>
+          </a:p>
         </p:txBody>
       </p:sp>
       <p:sp>
@@ -487,7 +606,7 @@
             <a:spLocks noGrp="1"/>
           </p:cNvSpPr>
           <p:nvPr>
-            <p:ph type="ftr" idx="5" sz="quarter"/>
+            <p:ph type="ftr" sz="quarter" idx="5"/>
           </p:nvPr>
         </p:nvSpPr>
         <p:spPr/>
@@ -504,7 +623,9 @@
               </a:defRPr>
             </a:lvl1pPr>
           </a:lstStyle>
-          <a:p/>
+          <a:p>
+            <a:endParaRPr/>
+          </a:p>
         </p:txBody>
       </p:sp>
       <p:sp>
@@ -514,7 +635,7 @@
             <a:spLocks noGrp="1"/>
           </p:cNvSpPr>
           <p:nvPr>
-            <p:ph type="dt" idx="6" sz="half"/>
+            <p:ph type="dt" sz="half" idx="6"/>
           </p:nvPr>
         </p:nvSpPr>
         <p:spPr/>
@@ -534,7 +655,9 @@
           <a:p>
             <a:fld id="{1D8BD707-D9CF-40AE-B4C6-C98DA3205C09}" type="datetimeFigureOut">
               <a:rPr lang="en-US"/>
+              <a:t>5/17/2018</a:t>
             </a:fld>
+            <a:endParaRPr lang="en-US"/>
           </a:p>
         </p:txBody>
       </p:sp>
@@ -545,7 +668,7 @@
             <a:spLocks noGrp="1"/>
           </p:cNvSpPr>
           <p:nvPr>
-            <p:ph type="sldNum" idx="7" sz="quarter"/>
+            <p:ph type="sldNum" sz="quarter" idx="7"/>
           </p:nvPr>
         </p:nvSpPr>
         <p:spPr/>
@@ -564,8 +687,9 @@
           </a:lstStyle>
           <a:p>
             <a:fld id="{B6F15528-21DE-4FAA-801E-634DDDAF4B2B}" type="slidenum">
-              <a:t>#</a:t>
+              <a:t>‹#›</a:t>
             </a:fld>
+            <a:endParaRPr/>
           </a:p>
         </p:txBody>
       </p:sp>
@@ -578,7 +702,7 @@
 </file>
 
 <file path=ppt/slideLayouts/slideLayout4.xml><?xml version="1.0" encoding="utf-8"?>
-<p:sldLayout xmlns:a="http://schemas.openxmlformats.org/drawingml/2006/main" xmlns:r="http://schemas.openxmlformats.org/officeDocument/2006/relationships" xmlns:p="http://schemas.openxmlformats.org/presentationml/2006/main" preserve="1" type="obj">
+<p:sldLayout xmlns:a="http://schemas.openxmlformats.org/drawingml/2006/main" xmlns:r="http://schemas.openxmlformats.org/officeDocument/2006/relationships" xmlns:p="http://schemas.openxmlformats.org/presentationml/2006/main" type="obj" preserve="1">
   <p:cSld name="Title Only">
     <p:spTree>
       <p:nvGrpSpPr>
@@ -618,7 +742,9 @@
               </a:defRPr>
             </a:lvl1pPr>
           </a:lstStyle>
-          <a:p/>
+          <a:p>
+            <a:endParaRPr/>
+          </a:p>
         </p:txBody>
       </p:sp>
       <p:sp>
@@ -628,7 +754,7 @@
             <a:spLocks noGrp="1"/>
           </p:cNvSpPr>
           <p:nvPr>
-            <p:ph type="ftr" idx="5" sz="quarter"/>
+            <p:ph type="ftr" sz="quarter" idx="5"/>
           </p:nvPr>
         </p:nvSpPr>
         <p:spPr/>
@@ -645,7 +771,9 @@
               </a:defRPr>
             </a:lvl1pPr>
           </a:lstStyle>
-          <a:p/>
+          <a:p>
+            <a:endParaRPr/>
+          </a:p>
         </p:txBody>
       </p:sp>
       <p:sp>
@@ -655,7 +783,7 @@
             <a:spLocks noGrp="1"/>
           </p:cNvSpPr>
           <p:nvPr>
-            <p:ph type="dt" idx="6" sz="half"/>
+            <p:ph type="dt" sz="half" idx="6"/>
           </p:nvPr>
         </p:nvSpPr>
         <p:spPr/>
@@ -675,7 +803,9 @@
           <a:p>
             <a:fld id="{1D8BD707-D9CF-40AE-B4C6-C98DA3205C09}" type="datetimeFigureOut">
               <a:rPr lang="en-US"/>
+              <a:t>5/17/2018</a:t>
             </a:fld>
+            <a:endParaRPr lang="en-US"/>
           </a:p>
         </p:txBody>
       </p:sp>
@@ -686,7 +816,7 @@
             <a:spLocks noGrp="1"/>
           </p:cNvSpPr>
           <p:nvPr>
-            <p:ph type="sldNum" idx="7" sz="quarter"/>
+            <p:ph type="sldNum" sz="quarter" idx="7"/>
           </p:nvPr>
         </p:nvSpPr>
         <p:spPr/>
@@ -705,8 +835,9 @@
           </a:lstStyle>
           <a:p>
             <a:fld id="{B6F15528-21DE-4FAA-801E-634DDDAF4B2B}" type="slidenum">
-              <a:t>#</a:t>
+              <a:t>‹#›</a:t>
             </a:fld>
+            <a:endParaRPr/>
           </a:p>
         </p:txBody>
       </p:sp>
@@ -719,7 +850,7 @@
 </file>
 
 <file path=ppt/slideLayouts/slideLayout5.xml><?xml version="1.0" encoding="utf-8"?>
-<p:sldLayout xmlns:a="http://schemas.openxmlformats.org/drawingml/2006/main" xmlns:r="http://schemas.openxmlformats.org/officeDocument/2006/relationships" xmlns:p="http://schemas.openxmlformats.org/presentationml/2006/main" preserve="1" type="obj">
+<p:sldLayout xmlns:a="http://schemas.openxmlformats.org/drawingml/2006/main" xmlns:r="http://schemas.openxmlformats.org/officeDocument/2006/relationships" xmlns:p="http://schemas.openxmlformats.org/presentationml/2006/main" type="obj" preserve="1">
   <p:cSld name="Blank">
     <p:spTree>
       <p:nvGrpSpPr>
@@ -742,7 +873,7 @@
             <a:spLocks noGrp="1"/>
           </p:cNvSpPr>
           <p:nvPr>
-            <p:ph type="ftr" idx="5" sz="quarter"/>
+            <p:ph type="ftr" sz="quarter" idx="5"/>
           </p:nvPr>
         </p:nvSpPr>
         <p:spPr/>
@@ -759,7 +890,9 @@
               </a:defRPr>
             </a:lvl1pPr>
           </a:lstStyle>
-          <a:p/>
+          <a:p>
+            <a:endParaRPr/>
+          </a:p>
         </p:txBody>
       </p:sp>
       <p:sp>
@@ -769,7 +902,7 @@
             <a:spLocks noGrp="1"/>
           </p:cNvSpPr>
           <p:nvPr>
-            <p:ph type="dt" idx="6" sz="half"/>
+            <p:ph type="dt" sz="half" idx="6"/>
           </p:nvPr>
         </p:nvSpPr>
         <p:spPr/>
@@ -789,7 +922,9 @@
           <a:p>
             <a:fld id="{1D8BD707-D9CF-40AE-B4C6-C98DA3205C09}" type="datetimeFigureOut">
               <a:rPr lang="en-US"/>
+              <a:t>5/17/2018</a:t>
             </a:fld>
+            <a:endParaRPr lang="en-US"/>
           </a:p>
         </p:txBody>
       </p:sp>
@@ -800,7 +935,7 @@
             <a:spLocks noGrp="1"/>
           </p:cNvSpPr>
           <p:nvPr>
-            <p:ph type="sldNum" idx="7" sz="quarter"/>
+            <p:ph type="sldNum" sz="quarter" idx="7"/>
           </p:nvPr>
         </p:nvSpPr>
         <p:spPr/>
@@ -819,8 +954,9 @@
           </a:lstStyle>
           <a:p>
             <a:fld id="{B6F15528-21DE-4FAA-801E-634DDDAF4B2B}" type="slidenum">
-              <a:t>#</a:t>
+              <a:t>‹#›</a:t>
             </a:fld>
+            <a:endParaRPr/>
           </a:p>
         </p:txBody>
       </p:sp>
@@ -881,7 +1017,9 @@
         <p:txBody>
           <a:bodyPr wrap="square" lIns="0" tIns="0" rIns="0" bIns="0" rtlCol="0"/>
           <a:lstStyle/>
-          <a:p/>
+          <a:p>
+            <a:endParaRPr/>
+          </a:p>
         </p:txBody>
       </p:sp>
       <p:sp>
@@ -908,7 +1046,9 @@
         <p:txBody>
           <a:bodyPr wrap="square" lIns="0" tIns="0" rIns="0" bIns="0" rtlCol="0"/>
           <a:lstStyle/>
-          <a:p/>
+          <a:p>
+            <a:endParaRPr/>
+          </a:p>
         </p:txBody>
       </p:sp>
       <p:sp>
@@ -935,7 +1075,9 @@
         <p:txBody>
           <a:bodyPr wrap="square" lIns="0" tIns="0" rIns="0" bIns="0" rtlCol="0"/>
           <a:lstStyle/>
-          <a:p/>
+          <a:p>
+            <a:endParaRPr/>
+          </a:p>
         </p:txBody>
       </p:sp>
       <p:sp>
@@ -962,7 +1104,9 @@
         <p:txBody>
           <a:bodyPr wrap="square" lIns="0" tIns="0" rIns="0" bIns="0" rtlCol="0"/>
           <a:lstStyle/>
-          <a:p/>
+          <a:p>
+            <a:endParaRPr/>
+          </a:p>
         </p:txBody>
       </p:sp>
       <p:sp>
@@ -989,7 +1133,9 @@
         <p:txBody>
           <a:bodyPr wrap="square" lIns="0" tIns="0" rIns="0" bIns="0" rtlCol="0"/>
           <a:lstStyle/>
-          <a:p/>
+          <a:p>
+            <a:endParaRPr/>
+          </a:p>
         </p:txBody>
       </p:sp>
       <p:sp>
@@ -1016,7 +1162,9 @@
         <p:txBody>
           <a:bodyPr wrap="square" lIns="0" tIns="0" rIns="0" bIns="0" rtlCol="0"/>
           <a:lstStyle/>
-          <a:p/>
+          <a:p>
+            <a:endParaRPr/>
+          </a:p>
         </p:txBody>
       </p:sp>
       <p:sp>
@@ -1043,7 +1191,9 @@
         <p:txBody>
           <a:bodyPr wrap="square" lIns="0" tIns="0" rIns="0" bIns="0" rtlCol="0"/>
           <a:lstStyle/>
-          <a:p/>
+          <a:p>
+            <a:endParaRPr/>
+          </a:p>
         </p:txBody>
       </p:sp>
       <p:sp>
@@ -1091,7 +1241,9 @@
         <p:txBody>
           <a:bodyPr wrap="square" lIns="0" tIns="0" rIns="0" bIns="0" rtlCol="0"/>
           <a:lstStyle/>
-          <a:p/>
+          <a:p>
+            <a:endParaRPr/>
+          </a:p>
         </p:txBody>
       </p:sp>
       <p:sp>
@@ -1128,7 +1280,9 @@
               </a:defRPr>
             </a:lvl1pPr>
           </a:lstStyle>
-          <a:p/>
+          <a:p>
+            <a:endParaRPr/>
+          </a:p>
         </p:txBody>
       </p:sp>
       <p:sp>
@@ -1163,7 +1317,9 @@
               </a:defRPr>
             </a:lvl1pPr>
           </a:lstStyle>
-          <a:p/>
+          <a:p>
+            <a:endParaRPr/>
+          </a:p>
         </p:txBody>
       </p:sp>
       <p:sp>
@@ -1173,7 +1329,7 @@
             <a:spLocks noGrp="1"/>
           </p:cNvSpPr>
           <p:nvPr>
-            <p:ph type="ftr" idx="5" sz="quarter"/>
+            <p:ph type="ftr" sz="quarter" idx="5"/>
           </p:nvPr>
         </p:nvSpPr>
         <p:spPr>
@@ -1200,7 +1356,9 @@
               </a:defRPr>
             </a:lvl1pPr>
           </a:lstStyle>
-          <a:p/>
+          <a:p>
+            <a:endParaRPr/>
+          </a:p>
         </p:txBody>
       </p:sp>
       <p:sp>
@@ -1210,7 +1368,7 @@
             <a:spLocks noGrp="1"/>
           </p:cNvSpPr>
           <p:nvPr>
-            <p:ph type="dt" idx="6" sz="half"/>
+            <p:ph type="dt" sz="half" idx="6"/>
           </p:nvPr>
         </p:nvSpPr>
         <p:spPr>
@@ -1240,7 +1398,9 @@
           <a:p>
             <a:fld id="{1D8BD707-D9CF-40AE-B4C6-C98DA3205C09}" type="datetimeFigureOut">
               <a:rPr lang="en-US"/>
+              <a:t>5/17/2018</a:t>
             </a:fld>
+            <a:endParaRPr lang="en-US"/>
           </a:p>
         </p:txBody>
       </p:sp>
@@ -1251,7 +1411,7 @@
             <a:spLocks noGrp="1"/>
           </p:cNvSpPr>
           <p:nvPr>
-            <p:ph type="sldNum" idx="7" sz="quarter"/>
+            <p:ph type="sldNum" sz="quarter" idx="7"/>
           </p:nvPr>
         </p:nvSpPr>
         <p:spPr>
@@ -1280,14 +1440,15 @@
           </a:lstStyle>
           <a:p>
             <a:fld id="{B6F15528-21DE-4FAA-801E-634DDDAF4B2B}" type="slidenum">
-              <a:t>#</a:t>
+              <a:t>‹#›</a:t>
             </a:fld>
+            <a:endParaRPr/>
           </a:p>
         </p:txBody>
       </p:sp>
     </p:spTree>
   </p:cSld>
-  <p:clrMap folHlink="folHlink" hlink="hlink" accent1="accent1" accent2="accent2" accent3="accent3" accent4="accent4" accent5="accent5" accent6="accent6" tx2="dk2" bg2="lt2" tx1="dk1" bg1="lt1"/>
+  <p:clrMap bg1="lt1" tx1="dk1" bg2="lt2" tx2="dk2" accent1="accent1" accent2="accent2" accent3="accent3" accent4="accent4" accent5="accent5" accent6="accent6" hlink="hlink" folHlink="folHlink"/>
   <p:sldLayoutIdLst>
     <p:sldLayoutId id="2147483661" r:id="rId1"/>
     <p:sldLayoutId id="2147483662" r:id="rId2"/>
@@ -1472,7 +1633,7 @@
           </a:prstGeom>
         </p:spPr>
         <p:txBody>
-          <a:bodyPr wrap="square" lIns="0" tIns="12700" rIns="0" bIns="0" rtlCol="0" vert="horz">
+          <a:bodyPr vert="horz" wrap="square" lIns="0" tIns="12700" rIns="0" bIns="0" rtlCol="0">
             <a:spAutoFit/>
           </a:bodyPr>
           <a:lstStyle/>
@@ -1486,7 +1647,7 @@
               </a:spcBef>
             </a:pPr>
             <a:r>
-              <a:rPr dirty="0" sz="7200" spc="185">
+              <a:rPr sz="7200" spc="185" dirty="0">
                 <a:solidFill>
                   <a:srgbClr val="EBEBEB"/>
                 </a:solidFill>
@@ -1496,7 +1657,7 @@
               <a:t>Cocos2</a:t>
             </a:r>
             <a:r>
-              <a:rPr dirty="0" sz="7200" spc="204">
+              <a:rPr sz="7200" spc="204" dirty="0">
                 <a:solidFill>
                   <a:srgbClr val="EBEBEB"/>
                 </a:solidFill>
@@ -1506,7 +1667,7 @@
               <a:t>d</a:t>
             </a:r>
             <a:r>
-              <a:rPr dirty="0" sz="7200" spc="-885">
+              <a:rPr sz="7200" spc="-885" dirty="0">
                 <a:solidFill>
                   <a:srgbClr val="EBEBEB"/>
                 </a:solidFill>
@@ -1516,7 +1677,7 @@
               <a:t>-</a:t>
             </a:r>
             <a:r>
-              <a:rPr dirty="0" sz="7200" spc="-810">
+              <a:rPr sz="7200" spc="-810" dirty="0">
                 <a:solidFill>
                   <a:srgbClr val="EBEBEB"/>
                 </a:solidFill>
@@ -1526,7 +1687,7 @@
               <a:t>x</a:t>
             </a:r>
             <a:r>
-              <a:rPr dirty="0" sz="7200">
+              <a:rPr sz="7200" dirty="0">
                 <a:solidFill>
                   <a:srgbClr val="EBEBEB"/>
                 </a:solidFill>
@@ -1551,14 +1712,14 @@
         <p:spPr>
           <a:xfrm>
             <a:off x="8621014" y="4155185"/>
-            <a:ext cx="1090930" cy="452120"/>
+            <a:ext cx="1090930" cy="443070"/>
           </a:xfrm>
           <a:prstGeom prst="rect">
             <a:avLst/>
           </a:prstGeom>
         </p:spPr>
         <p:txBody>
-          <a:bodyPr wrap="square" lIns="0" tIns="12065" rIns="0" bIns="0" rtlCol="0" vert="horz">
+          <a:bodyPr vert="horz" wrap="square" lIns="0" tIns="12065" rIns="0" bIns="0" rtlCol="0">
             <a:spAutoFit/>
           </a:bodyPr>
           <a:lstStyle/>
@@ -1572,17 +1733,19 @@
               </a:spcBef>
             </a:pPr>
             <a:r>
-              <a:rPr dirty="0" sz="2800" spc="-5">
-                <a:solidFill>
-                  <a:srgbClr val="FFFFFF"/>
-                </a:solidFill>
-                <a:latin typeface="Droid Sans Fallback"/>
-                <a:cs typeface="Droid Sans Fallback"/>
-              </a:rPr>
-              <a:t>骆铭涛</a:t>
-            </a:r>
-            <a:endParaRPr sz="2800">
-              <a:latin typeface="Droid Sans Fallback"/>
+              <a:rPr lang="zh-CN" altLang="en-US" sz="2800" spc="-5" dirty="0" smtClean="0">
+                <a:solidFill>
+                  <a:srgbClr val="FFFFFF"/>
+                </a:solidFill>
+                <a:latin typeface="等线" panose="02010600030101010101" pitchFamily="2" charset="-122"/>
+                <a:ea typeface="等线" panose="02010600030101010101" pitchFamily="2" charset="-122"/>
+                <a:cs typeface="Droid Sans Fallback"/>
+              </a:rPr>
+              <a:t>黄泳锋</a:t>
+            </a:r>
+            <a:endParaRPr sz="2800" dirty="0">
+              <a:latin typeface="等线" panose="02010600030101010101" pitchFamily="2" charset="-122"/>
+              <a:ea typeface="等线" panose="02010600030101010101" pitchFamily="2" charset="-122"/>
               <a:cs typeface="Droid Sans Fallback"/>
             </a:endParaRPr>
           </a:p>
@@ -1637,7 +1800,9 @@
         <p:txBody>
           <a:bodyPr wrap="square" lIns="0" tIns="0" rIns="0" bIns="0" rtlCol="0"/>
           <a:lstStyle/>
-          <a:p/>
+          <a:p>
+            <a:endParaRPr/>
+          </a:p>
         </p:txBody>
       </p:sp>
     </p:spTree>
@@ -1689,7 +1854,9 @@
         <p:txBody>
           <a:bodyPr wrap="square" lIns="0" tIns="0" rIns="0" bIns="0" rtlCol="0"/>
           <a:lstStyle/>
-          <a:p/>
+          <a:p>
+            <a:endParaRPr/>
+          </a:p>
         </p:txBody>
       </p:sp>
     </p:spTree>
@@ -1741,7 +1908,9 @@
         <p:txBody>
           <a:bodyPr wrap="square" lIns="0" tIns="0" rIns="0" bIns="0" rtlCol="0"/>
           <a:lstStyle/>
-          <a:p/>
+          <a:p>
+            <a:endParaRPr/>
+          </a:p>
         </p:txBody>
       </p:sp>
       <p:sp>
@@ -1768,7 +1937,9 @@
         <p:txBody>
           <a:bodyPr wrap="square" lIns="0" tIns="0" rIns="0" bIns="0" rtlCol="0"/>
           <a:lstStyle/>
-          <a:p/>
+          <a:p>
+            <a:endParaRPr/>
+          </a:p>
         </p:txBody>
       </p:sp>
       <p:sp>
@@ -1795,7 +1966,9 @@
         <p:txBody>
           <a:bodyPr wrap="square" lIns="0" tIns="0" rIns="0" bIns="0" rtlCol="0"/>
           <a:lstStyle/>
-          <a:p/>
+          <a:p>
+            <a:endParaRPr/>
+          </a:p>
         </p:txBody>
       </p:sp>
       <p:sp>
@@ -1822,7 +1995,9 @@
         <p:txBody>
           <a:bodyPr wrap="square" lIns="0" tIns="0" rIns="0" bIns="0" rtlCol="0"/>
           <a:lstStyle/>
-          <a:p/>
+          <a:p>
+            <a:endParaRPr/>
+          </a:p>
         </p:txBody>
       </p:sp>
       <p:sp>
@@ -1849,7 +2024,9 @@
         <p:txBody>
           <a:bodyPr wrap="square" lIns="0" tIns="0" rIns="0" bIns="0" rtlCol="0"/>
           <a:lstStyle/>
-          <a:p/>
+          <a:p>
+            <a:endParaRPr/>
+          </a:p>
         </p:txBody>
       </p:sp>
       <p:sp>
@@ -1876,7 +2053,9 @@
         <p:txBody>
           <a:bodyPr wrap="square" lIns="0" tIns="0" rIns="0" bIns="0" rtlCol="0"/>
           <a:lstStyle/>
-          <a:p/>
+          <a:p>
+            <a:endParaRPr/>
+          </a:p>
         </p:txBody>
       </p:sp>
       <p:sp>
@@ -1903,7 +2082,9 @@
         <p:txBody>
           <a:bodyPr wrap="square" lIns="0" tIns="0" rIns="0" bIns="0" rtlCol="0"/>
           <a:lstStyle/>
-          <a:p/>
+          <a:p>
+            <a:endParaRPr/>
+          </a:p>
         </p:txBody>
       </p:sp>
       <p:sp>
@@ -1951,7 +2132,9 @@
         <p:txBody>
           <a:bodyPr wrap="square" lIns="0" tIns="0" rIns="0" bIns="0" rtlCol="0"/>
           <a:lstStyle/>
-          <a:p/>
+          <a:p>
+            <a:endParaRPr/>
+          </a:p>
         </p:txBody>
       </p:sp>
       <p:sp>
@@ -1964,6 +2147,64 @@
           <a:xfrm>
             <a:off x="0" y="2670047"/>
             <a:ext cx="4037075" cy="4187949"/>
+          </a:xfrm>
+          <a:prstGeom prst="rect">
+            <a:avLst/>
+          </a:prstGeom>
+          <a:blipFill>
+            <a:blip r:embed="rId3" cstate="print"/>
+            <a:stretch>
+              <a:fillRect/>
+            </a:stretch>
+          </a:blipFill>
+        </p:spPr>
+        <p:txBody>
+          <a:bodyPr wrap="square" lIns="0" tIns="0" rIns="0" bIns="0" rtlCol="0"/>
+          <a:lstStyle/>
+          <a:p>
+            <a:endParaRPr/>
+          </a:p>
+        </p:txBody>
+      </p:sp>
+      <p:sp>
+        <p:nvSpPr>
+          <p:cNvPr id="11" name="object 11"/>
+          <p:cNvSpPr/>
+          <p:nvPr/>
+        </p:nvSpPr>
+        <p:spPr>
+          <a:xfrm>
+            <a:off x="0" y="2892551"/>
+            <a:ext cx="1522475" cy="2365248"/>
+          </a:xfrm>
+          <a:prstGeom prst="rect">
+            <a:avLst/>
+          </a:prstGeom>
+          <a:blipFill>
+            <a:blip r:embed="rId4" cstate="print"/>
+            <a:stretch>
+              <a:fillRect/>
+            </a:stretch>
+          </a:blipFill>
+        </p:spPr>
+        <p:txBody>
+          <a:bodyPr wrap="square" lIns="0" tIns="0" rIns="0" bIns="0" rtlCol="0"/>
+          <a:lstStyle/>
+          <a:p>
+            <a:endParaRPr/>
+          </a:p>
+        </p:txBody>
+      </p:sp>
+      <p:sp>
+        <p:nvSpPr>
+          <p:cNvPr id="12" name="object 12"/>
+          <p:cNvSpPr/>
+          <p:nvPr/>
+        </p:nvSpPr>
+        <p:spPr>
+          <a:xfrm>
+            <a:off x="8609076" y="1676400"/>
+            <a:ext cx="2819400" cy="2819400"/>
           </a:xfrm>
           <a:prstGeom prst="rect">
             <a:avLst/>
@@ -1978,19 +2219,108 @@
         <p:txBody>
           <a:bodyPr wrap="square" lIns="0" tIns="0" rIns="0" bIns="0" rtlCol="0"/>
           <a:lstStyle/>
-          <a:p/>
-        </p:txBody>
-      </p:sp>
-      <p:sp>
-        <p:nvSpPr>
-          <p:cNvPr id="11" name="object 11"/>
+          <a:p>
+            <a:endParaRPr/>
+          </a:p>
+        </p:txBody>
+      </p:sp>
+      <p:sp>
+        <p:nvSpPr>
+          <p:cNvPr id="13" name="object 13"/>
           <p:cNvSpPr/>
           <p:nvPr/>
         </p:nvSpPr>
         <p:spPr>
           <a:xfrm>
-            <a:off x="0" y="2892551"/>
-            <a:ext cx="1522475" cy="2365248"/>
+            <a:off x="7999476" y="0"/>
+            <a:ext cx="1603247" cy="1141476"/>
+          </a:xfrm>
+          <a:prstGeom prst="rect">
+            <a:avLst/>
+          </a:prstGeom>
+          <a:blipFill>
+            <a:blip r:embed="rId6" cstate="print"/>
+            <a:stretch>
+              <a:fillRect/>
+            </a:stretch>
+          </a:blipFill>
+        </p:spPr>
+        <p:txBody>
+          <a:bodyPr wrap="square" lIns="0" tIns="0" rIns="0" bIns="0" rtlCol="0"/>
+          <a:lstStyle/>
+          <a:p>
+            <a:endParaRPr/>
+          </a:p>
+        </p:txBody>
+      </p:sp>
+      <p:sp>
+        <p:nvSpPr>
+          <p:cNvPr id="14" name="object 14"/>
+          <p:cNvSpPr/>
+          <p:nvPr/>
+        </p:nvSpPr>
+        <p:spPr>
+          <a:xfrm>
+            <a:off x="8606028" y="6095999"/>
+            <a:ext cx="993648" cy="761999"/>
+          </a:xfrm>
+          <a:prstGeom prst="rect">
+            <a:avLst/>
+          </a:prstGeom>
+          <a:blipFill>
+            <a:blip r:embed="rId7" cstate="print"/>
+            <a:stretch>
+              <a:fillRect/>
+            </a:stretch>
+          </a:blipFill>
+        </p:spPr>
+        <p:txBody>
+          <a:bodyPr wrap="square" lIns="0" tIns="0" rIns="0" bIns="0" rtlCol="0"/>
+          <a:lstStyle/>
+          <a:p>
+            <a:endParaRPr/>
+          </a:p>
+        </p:txBody>
+      </p:sp>
+      <p:sp>
+        <p:nvSpPr>
+          <p:cNvPr id="15" name="object 15"/>
+          <p:cNvSpPr/>
+          <p:nvPr/>
+        </p:nvSpPr>
+        <p:spPr>
+          <a:xfrm>
+            <a:off x="10398252" y="0"/>
+            <a:ext cx="760488" cy="1203960"/>
+          </a:xfrm>
+          <a:prstGeom prst="rect">
+            <a:avLst/>
+          </a:prstGeom>
+          <a:blipFill>
+            <a:blip r:embed="rId8" cstate="print"/>
+            <a:stretch>
+              <a:fillRect/>
+            </a:stretch>
+          </a:blipFill>
+        </p:spPr>
+        <p:txBody>
+          <a:bodyPr wrap="square" lIns="0" tIns="0" rIns="0" bIns="0" rtlCol="0"/>
+          <a:lstStyle/>
+          <a:p>
+            <a:endParaRPr/>
+          </a:p>
+        </p:txBody>
+      </p:sp>
+      <p:sp>
+        <p:nvSpPr>
+          <p:cNvPr id="16" name="object 16"/>
+          <p:cNvSpPr/>
+          <p:nvPr/>
+        </p:nvSpPr>
+        <p:spPr>
+          <a:xfrm>
+            <a:off x="0" y="0"/>
+            <a:ext cx="12192000" cy="6857999"/>
           </a:xfrm>
           <a:prstGeom prst="rect">
             <a:avLst/>
@@ -2005,142 +2335,9 @@
         <p:txBody>
           <a:bodyPr wrap="square" lIns="0" tIns="0" rIns="0" bIns="0" rtlCol="0"/>
           <a:lstStyle/>
-          <a:p/>
-        </p:txBody>
-      </p:sp>
-      <p:sp>
-        <p:nvSpPr>
-          <p:cNvPr id="12" name="object 12"/>
-          <p:cNvSpPr/>
-          <p:nvPr/>
-        </p:nvSpPr>
-        <p:spPr>
-          <a:xfrm>
-            <a:off x="8609076" y="1676400"/>
-            <a:ext cx="2819400" cy="2819400"/>
-          </a:xfrm>
-          <a:prstGeom prst="rect">
-            <a:avLst/>
-          </a:prstGeom>
-          <a:blipFill>
-            <a:blip r:embed="rId11" cstate="print"/>
-            <a:stretch>
-              <a:fillRect/>
-            </a:stretch>
-          </a:blipFill>
-        </p:spPr>
-        <p:txBody>
-          <a:bodyPr wrap="square" lIns="0" tIns="0" rIns="0" bIns="0" rtlCol="0"/>
-          <a:lstStyle/>
-          <a:p/>
-        </p:txBody>
-      </p:sp>
-      <p:sp>
-        <p:nvSpPr>
-          <p:cNvPr id="13" name="object 13"/>
-          <p:cNvSpPr/>
-          <p:nvPr/>
-        </p:nvSpPr>
-        <p:spPr>
-          <a:xfrm>
-            <a:off x="7999476" y="0"/>
-            <a:ext cx="1603247" cy="1141476"/>
-          </a:xfrm>
-          <a:prstGeom prst="rect">
-            <a:avLst/>
-          </a:prstGeom>
-          <a:blipFill>
-            <a:blip r:embed="rId12" cstate="print"/>
-            <a:stretch>
-              <a:fillRect/>
-            </a:stretch>
-          </a:blipFill>
-        </p:spPr>
-        <p:txBody>
-          <a:bodyPr wrap="square" lIns="0" tIns="0" rIns="0" bIns="0" rtlCol="0"/>
-          <a:lstStyle/>
-          <a:p/>
-        </p:txBody>
-      </p:sp>
-      <p:sp>
-        <p:nvSpPr>
-          <p:cNvPr id="14" name="object 14"/>
-          <p:cNvSpPr/>
-          <p:nvPr/>
-        </p:nvSpPr>
-        <p:spPr>
-          <a:xfrm>
-            <a:off x="8606028" y="6095999"/>
-            <a:ext cx="993648" cy="761999"/>
-          </a:xfrm>
-          <a:prstGeom prst="rect">
-            <a:avLst/>
-          </a:prstGeom>
-          <a:blipFill>
-            <a:blip r:embed="rId13" cstate="print"/>
-            <a:stretch>
-              <a:fillRect/>
-            </a:stretch>
-          </a:blipFill>
-        </p:spPr>
-        <p:txBody>
-          <a:bodyPr wrap="square" lIns="0" tIns="0" rIns="0" bIns="0" rtlCol="0"/>
-          <a:lstStyle/>
-          <a:p/>
-        </p:txBody>
-      </p:sp>
-      <p:sp>
-        <p:nvSpPr>
-          <p:cNvPr id="15" name="object 15"/>
-          <p:cNvSpPr/>
-          <p:nvPr/>
-        </p:nvSpPr>
-        <p:spPr>
-          <a:xfrm>
-            <a:off x="10398252" y="0"/>
-            <a:ext cx="760488" cy="1203960"/>
-          </a:xfrm>
-          <a:prstGeom prst="rect">
-            <a:avLst/>
-          </a:prstGeom>
-          <a:blipFill>
-            <a:blip r:embed="rId14" cstate="print"/>
-            <a:stretch>
-              <a:fillRect/>
-            </a:stretch>
-          </a:blipFill>
-        </p:spPr>
-        <p:txBody>
-          <a:bodyPr wrap="square" lIns="0" tIns="0" rIns="0" bIns="0" rtlCol="0"/>
-          <a:lstStyle/>
-          <a:p/>
-        </p:txBody>
-      </p:sp>
-      <p:sp>
-        <p:nvSpPr>
-          <p:cNvPr id="16" name="object 16"/>
-          <p:cNvSpPr/>
-          <p:nvPr/>
-        </p:nvSpPr>
-        <p:spPr>
-          <a:xfrm>
-            <a:off x="0" y="0"/>
-            <a:ext cx="12192000" cy="6857999"/>
-          </a:xfrm>
-          <a:prstGeom prst="rect">
-            <a:avLst/>
-          </a:prstGeom>
-          <a:blipFill>
-            <a:blip r:embed="rId15" cstate="print"/>
-            <a:stretch>
-              <a:fillRect/>
-            </a:stretch>
-          </a:blipFill>
-        </p:spPr>
-        <p:txBody>
-          <a:bodyPr wrap="square" lIns="0" tIns="0" rIns="0" bIns="0" rtlCol="0"/>
-          <a:lstStyle/>
-          <a:p/>
+          <a:p>
+            <a:endParaRPr/>
+          </a:p>
         </p:txBody>
       </p:sp>
       <p:sp>
@@ -2460,7 +2657,9 @@
         <p:txBody>
           <a:bodyPr wrap="square" lIns="0" tIns="0" rIns="0" bIns="0" rtlCol="0"/>
           <a:lstStyle/>
-          <a:p/>
+          <a:p>
+            <a:endParaRPr/>
+          </a:p>
         </p:txBody>
       </p:sp>
       <p:sp>
@@ -2478,7 +2677,7 @@
             <a:avLst/>
           </a:prstGeom>
           <a:blipFill>
-            <a:blip r:embed="rId16" cstate="print"/>
+            <a:blip r:embed="rId8" cstate="print"/>
             <a:stretch>
               <a:fillRect/>
             </a:stretch>
@@ -2487,7 +2686,9 @@
         <p:txBody>
           <a:bodyPr wrap="square" lIns="0" tIns="0" rIns="0" bIns="0" rtlCol="0"/>
           <a:lstStyle/>
-          <a:p/>
+          <a:p>
+            <a:endParaRPr/>
+          </a:p>
         </p:txBody>
       </p:sp>
       <p:sp>
@@ -2535,7 +2736,9 @@
         <p:txBody>
           <a:bodyPr wrap="square" lIns="0" tIns="0" rIns="0" bIns="0" rtlCol="0"/>
           <a:lstStyle/>
-          <a:p/>
+          <a:p>
+            <a:endParaRPr/>
+          </a:p>
         </p:txBody>
       </p:sp>
       <p:sp>
@@ -2553,7 +2756,7 @@
             <a:avLst/>
           </a:prstGeom>
           <a:blipFill>
-            <a:blip r:embed="rId17" cstate="print"/>
+            <a:blip r:embed="rId11" cstate="print"/>
             <a:stretch>
               <a:fillRect/>
             </a:stretch>
@@ -2562,7 +2765,9 @@
         <p:txBody>
           <a:bodyPr wrap="square" lIns="0" tIns="0" rIns="0" bIns="0" rtlCol="0"/>
           <a:lstStyle/>
-          <a:p/>
+          <a:p>
+            <a:endParaRPr/>
+          </a:p>
         </p:txBody>
       </p:sp>
       <p:sp>
@@ -2580,7 +2785,7 @@
             <a:avLst/>
           </a:prstGeom>
           <a:blipFill>
-            <a:blip r:embed="rId18" cstate="print"/>
+            <a:blip r:embed="rId12" cstate="print"/>
             <a:stretch>
               <a:fillRect/>
             </a:stretch>
@@ -2589,7 +2794,9 @@
         <p:txBody>
           <a:bodyPr wrap="square" lIns="0" tIns="0" rIns="0" bIns="0" rtlCol="0"/>
           <a:lstStyle/>
-          <a:p/>
+          <a:p>
+            <a:endParaRPr/>
+          </a:p>
         </p:txBody>
       </p:sp>
       <p:sp>
@@ -2603,10 +2810,12 @@
           </p:nvPr>
         </p:nvSpPr>
         <p:spPr>
-          <a:prstGeom prst="rect"/>
+          <a:prstGeom prst="rect">
+            <a:avLst/>
+          </a:prstGeom>
         </p:spPr>
         <p:txBody>
-          <a:bodyPr wrap="square" lIns="0" tIns="12700" rIns="0" bIns="0" rtlCol="0" vert="horz">
+          <a:bodyPr vert="horz" wrap="square" lIns="0" tIns="12700" rIns="0" bIns="0" rtlCol="0">
             <a:spAutoFit/>
           </a:bodyPr>
           <a:lstStyle/>
@@ -2666,10 +2875,12 @@
             <a:off x="724916" y="479805"/>
             <a:ext cx="2159000" cy="665480"/>
           </a:xfrm>
-          <a:prstGeom prst="rect"/>
+          <a:prstGeom prst="rect">
+            <a:avLst/>
+          </a:prstGeom>
         </p:spPr>
         <p:txBody>
-          <a:bodyPr wrap="square" lIns="0" tIns="12700" rIns="0" bIns="0" rtlCol="0" vert="horz">
+          <a:bodyPr vert="horz" wrap="square" lIns="0" tIns="12700" rIns="0" bIns="0" rtlCol="0">
             <a:spAutoFit/>
           </a:bodyPr>
           <a:lstStyle/>
@@ -2683,7 +2894,7 @@
               </a:spcBef>
             </a:pPr>
             <a:r>
-              <a:rPr dirty="0" sz="4200"/>
+              <a:rPr sz="4200" dirty="0"/>
               <a:t>触屏响应</a:t>
             </a:r>
             <a:endParaRPr sz="4200"/>
@@ -2714,7 +2925,9 @@
         <p:txBody>
           <a:bodyPr wrap="square" lIns="0" tIns="0" rIns="0" bIns="0" rtlCol="0"/>
           <a:lstStyle/>
-          <a:p/>
+          <a:p>
+            <a:endParaRPr/>
+          </a:p>
         </p:txBody>
       </p:sp>
     </p:spTree>
@@ -2757,10 +2970,12 @@
             <a:off x="724916" y="479805"/>
             <a:ext cx="2159000" cy="665480"/>
           </a:xfrm>
-          <a:prstGeom prst="rect"/>
+          <a:prstGeom prst="rect">
+            <a:avLst/>
+          </a:prstGeom>
         </p:spPr>
         <p:txBody>
-          <a:bodyPr wrap="square" lIns="0" tIns="12700" rIns="0" bIns="0" rtlCol="0" vert="horz">
+          <a:bodyPr vert="horz" wrap="square" lIns="0" tIns="12700" rIns="0" bIns="0" rtlCol="0">
             <a:spAutoFit/>
           </a:bodyPr>
           <a:lstStyle/>
@@ -2774,7 +2989,7 @@
               </a:spcBef>
             </a:pPr>
             <a:r>
-              <a:rPr dirty="0" sz="4200"/>
+              <a:rPr sz="4200" dirty="0"/>
               <a:t>触屏响应</a:t>
             </a:r>
             <a:endParaRPr sz="4200"/>
@@ -2797,7 +3012,7 @@
           </a:prstGeom>
         </p:spPr>
         <p:txBody>
-          <a:bodyPr wrap="square" lIns="0" tIns="13335" rIns="0" bIns="0" rtlCol="0" vert="horz">
+          <a:bodyPr vert="horz" wrap="square" lIns="0" tIns="13335" rIns="0" bIns="0" rtlCol="0">
             <a:spAutoFit/>
           </a:bodyPr>
           <a:lstStyle/>
@@ -2811,7 +3026,7 @@
               </a:spcBef>
             </a:pPr>
             <a:r>
-              <a:rPr dirty="0" sz="2050" spc="380">
+              <a:rPr sz="2050" spc="380" dirty="0">
                 <a:solidFill>
                   <a:srgbClr val="89D0D5"/>
                 </a:solidFill>
@@ -2821,7 +3036,7 @@
               <a:t></a:t>
             </a:r>
             <a:r>
-              <a:rPr dirty="0" sz="2050" spc="275">
+              <a:rPr sz="2050" spc="275" dirty="0">
                 <a:solidFill>
                   <a:srgbClr val="89D0D5"/>
                 </a:solidFill>
@@ -2831,7 +3046,7 @@
               <a:t> </a:t>
             </a:r>
             <a:r>
-              <a:rPr dirty="0" sz="2600">
+              <a:rPr sz="2600" dirty="0">
                 <a:solidFill>
                   <a:srgbClr val="FFFFFF"/>
                 </a:solidFill>
@@ -2841,7 +3056,7 @@
               <a:t>有三个函</a:t>
             </a:r>
             <a:r>
-              <a:rPr dirty="0" sz="2600" spc="-10">
+              <a:rPr sz="2600" spc="-10" dirty="0">
                 <a:solidFill>
                   <a:srgbClr val="FFFFFF"/>
                 </a:solidFill>
@@ -2851,7 +3066,7 @@
               <a:t>数</a:t>
             </a:r>
             <a:r>
-              <a:rPr dirty="0" sz="2600" spc="10">
+              <a:rPr sz="2600" spc="10" dirty="0">
                 <a:solidFill>
                   <a:srgbClr val="FFFFFF"/>
                 </a:solidFill>
@@ -2861,7 +3076,7 @@
               <a:t>onTouchBegan</a:t>
             </a:r>
             <a:r>
-              <a:rPr dirty="0" sz="2600" spc="10">
+              <a:rPr sz="2600" spc="10" dirty="0">
                 <a:solidFill>
                   <a:srgbClr val="FFFFFF"/>
                 </a:solidFill>
@@ -2871,7 +3086,7 @@
               <a:t>，</a:t>
             </a:r>
             <a:r>
-              <a:rPr dirty="0" sz="2600" spc="10">
+              <a:rPr sz="2600" spc="10" dirty="0">
                 <a:solidFill>
                   <a:srgbClr val="FFFFFF"/>
                 </a:solidFill>
@@ -2881,7 +3096,7 @@
               <a:t>onTouchMove</a:t>
             </a:r>
             <a:r>
-              <a:rPr dirty="0" sz="2600" spc="-515">
+              <a:rPr sz="2600" spc="-515" dirty="0">
                 <a:solidFill>
                   <a:srgbClr val="FFFFFF"/>
                 </a:solidFill>
@@ -2890,7 +3105,7 @@
               </a:rPr>
               <a:t>和</a:t>
             </a:r>
-            <a:endParaRPr sz="2600">
+            <a:endParaRPr sz="2600" dirty="0">
               <a:latin typeface="Droid Sans Fallback"/>
               <a:cs typeface="Droid Sans Fallback"/>
             </a:endParaRPr>
@@ -2902,7 +3117,7 @@
               </a:lnSpc>
             </a:pPr>
             <a:r>
-              <a:rPr dirty="0" sz="2600">
+              <a:rPr sz="2600" dirty="0">
                 <a:solidFill>
                   <a:srgbClr val="FFFFFF"/>
                 </a:solidFill>
@@ -2912,7 +3127,7 @@
               <a:t>onTouchEnded</a:t>
             </a:r>
             <a:r>
-              <a:rPr dirty="0" sz="2600" spc="5">
+              <a:rPr sz="2600" spc="5" dirty="0">
                 <a:solidFill>
                   <a:srgbClr val="FFFFFF"/>
                 </a:solidFill>
@@ -2922,7 +3137,7 @@
               <a:t>可供重写</a:t>
             </a:r>
             <a:r>
-              <a:rPr dirty="0" sz="2600" spc="-10">
+              <a:rPr sz="2600" spc="-10" dirty="0">
                 <a:solidFill>
                   <a:srgbClr val="FFFFFF"/>
                 </a:solidFill>
@@ -2932,7 +3147,7 @@
               <a:t>，</a:t>
             </a:r>
             <a:r>
-              <a:rPr dirty="0" sz="2600" spc="5">
+              <a:rPr sz="2600" spc="5" dirty="0">
                 <a:solidFill>
                   <a:srgbClr val="FFFFFF"/>
                 </a:solidFill>
@@ -2942,7 +3157,7 @@
               <a:t>本次</a:t>
             </a:r>
             <a:r>
-              <a:rPr dirty="0" sz="2600" spc="-10">
+              <a:rPr sz="2600" spc="-10" dirty="0">
                 <a:solidFill>
                   <a:srgbClr val="FFFFFF"/>
                 </a:solidFill>
@@ -2952,7 +3167,7 @@
               <a:t>作</a:t>
             </a:r>
             <a:r>
-              <a:rPr dirty="0" sz="2600" spc="5">
+              <a:rPr sz="2600" spc="5" dirty="0">
                 <a:solidFill>
                   <a:srgbClr val="FFFFFF"/>
                 </a:solidFill>
@@ -2961,7 +3176,7 @@
               </a:rPr>
               <a:t>业重写</a:t>
             </a:r>
-            <a:endParaRPr sz="2600">
+            <a:endParaRPr sz="2600" dirty="0">
               <a:latin typeface="Droid Sans Fallback"/>
               <a:cs typeface="Droid Sans Fallback"/>
             </a:endParaRPr>
@@ -2973,7 +3188,7 @@
               </a:lnSpc>
             </a:pPr>
             <a:r>
-              <a:rPr dirty="0" sz="2600">
+              <a:rPr sz="2600" dirty="0">
                 <a:solidFill>
                   <a:srgbClr val="FFFFFF"/>
                 </a:solidFill>
@@ -2983,7 +3198,7 @@
               <a:t>onTouchBegan</a:t>
             </a:r>
             <a:r>
-              <a:rPr dirty="0" sz="2600">
+              <a:rPr sz="2600" dirty="0">
                 <a:solidFill>
                   <a:srgbClr val="FFFFFF"/>
                 </a:solidFill>
@@ -2992,7 +3207,7 @@
               </a:rPr>
               <a:t>方法即可</a:t>
             </a:r>
-            <a:endParaRPr sz="2600">
+            <a:endParaRPr sz="2600" dirty="0">
               <a:latin typeface="Droid Sans Fallback"/>
               <a:cs typeface="Droid Sans Fallback"/>
             </a:endParaRPr>
@@ -3023,7 +3238,9 @@
         <p:txBody>
           <a:bodyPr wrap="square" lIns="0" tIns="0" rIns="0" bIns="0" rtlCol="0"/>
           <a:lstStyle/>
-          <a:p/>
+          <a:p>
+            <a:endParaRPr/>
+          </a:p>
         </p:txBody>
       </p:sp>
     </p:spTree>
@@ -3067,7 +3284,7 @@
           </a:prstGeom>
         </p:spPr>
         <p:txBody>
-          <a:bodyPr wrap="square" lIns="0" tIns="12700" rIns="0" bIns="0" rtlCol="0" vert="horz">
+          <a:bodyPr vert="horz" wrap="square" lIns="0" tIns="12700" rIns="0" bIns="0" rtlCol="0">
             <a:spAutoFit/>
           </a:bodyPr>
           <a:lstStyle/>
@@ -3081,7 +3298,7 @@
               </a:spcBef>
             </a:pPr>
             <a:r>
-              <a:rPr dirty="0" sz="4200">
+              <a:rPr sz="4200" dirty="0">
                 <a:solidFill>
                   <a:srgbClr val="EBEBEB"/>
                 </a:solidFill>
@@ -3121,7 +3338,9 @@
         <p:txBody>
           <a:bodyPr wrap="square" lIns="0" tIns="0" rIns="0" bIns="0" rtlCol="0"/>
           <a:lstStyle/>
-          <a:p/>
+          <a:p>
+            <a:endParaRPr/>
+          </a:p>
         </p:txBody>
       </p:sp>
       <p:sp>
@@ -3140,7 +3359,7 @@
           </a:prstGeom>
         </p:spPr>
         <p:txBody>
-          <a:bodyPr wrap="square" lIns="0" tIns="13335" rIns="0" bIns="0" rtlCol="0" vert="horz">
+          <a:bodyPr vert="horz" wrap="square" lIns="0" tIns="13335" rIns="0" bIns="0" rtlCol="0">
             <a:spAutoFit/>
           </a:bodyPr>
           <a:lstStyle/>
@@ -3154,7 +3373,7 @@
               </a:spcBef>
             </a:pPr>
             <a:r>
-              <a:rPr dirty="0" sz="3200" spc="100">
+              <a:rPr sz="3200" spc="100" dirty="0">
                 <a:solidFill>
                   <a:srgbClr val="FFFFFF"/>
                 </a:solidFill>
@@ -3164,7 +3383,7 @@
               <a:t>AppDelegate.cpp</a:t>
             </a:r>
             <a:r>
-              <a:rPr dirty="0" sz="3200" spc="5">
+              <a:rPr sz="3200" spc="5" dirty="0">
                 <a:solidFill>
                   <a:srgbClr val="FFFFFF"/>
                 </a:solidFill>
@@ -3174,7 +3393,7 @@
               <a:t>中预先加</a:t>
             </a:r>
             <a:r>
-              <a:rPr dirty="0" sz="3200" spc="-20">
+              <a:rPr sz="3200" spc="-20" dirty="0">
                 <a:solidFill>
                   <a:srgbClr val="FFFFFF"/>
                 </a:solidFill>
@@ -3184,7 +3403,7 @@
               <a:t>载</a:t>
             </a:r>
             <a:r>
-              <a:rPr dirty="0" sz="3200" spc="5">
+              <a:rPr sz="3200" spc="5" dirty="0">
                 <a:solidFill>
                   <a:srgbClr val="FFFFFF"/>
                 </a:solidFill>
@@ -3194,7 +3413,7 @@
               <a:t>动画</a:t>
             </a:r>
             <a:r>
-              <a:rPr dirty="0" sz="3200" spc="-15">
+              <a:rPr sz="3200" spc="-15" dirty="0">
                 <a:solidFill>
                   <a:srgbClr val="FFFFFF"/>
                 </a:solidFill>
@@ -3204,7 +3423,7 @@
               <a:t>资</a:t>
             </a:r>
             <a:r>
-              <a:rPr dirty="0" sz="3200" spc="5">
+              <a:rPr sz="3200" spc="5" dirty="0">
                 <a:solidFill>
                   <a:srgbClr val="FFFFFF"/>
                 </a:solidFill>
@@ -3213,7 +3432,7 @@
               </a:rPr>
               <a:t>源</a:t>
             </a:r>
-            <a:endParaRPr sz="3200">
+            <a:endParaRPr sz="3200" dirty="0">
               <a:latin typeface="Droid Sans Fallback"/>
               <a:cs typeface="Droid Sans Fallback"/>
             </a:endParaRPr>
@@ -3260,10 +3479,12 @@
             <a:off x="724916" y="479805"/>
             <a:ext cx="2692400" cy="665480"/>
           </a:xfrm>
-          <a:prstGeom prst="rect"/>
+          <a:prstGeom prst="rect">
+            <a:avLst/>
+          </a:prstGeom>
         </p:spPr>
         <p:txBody>
-          <a:bodyPr wrap="square" lIns="0" tIns="12700" rIns="0" bIns="0" rtlCol="0" vert="horz">
+          <a:bodyPr vert="horz" wrap="square" lIns="0" tIns="12700" rIns="0" bIns="0" rtlCol="0">
             <a:spAutoFit/>
           </a:bodyPr>
           <a:lstStyle/>
@@ -3277,7 +3498,7 @@
               </a:spcBef>
             </a:pPr>
             <a:r>
-              <a:rPr dirty="0" sz="4200"/>
+              <a:rPr sz="4200" dirty="0"/>
               <a:t>序列帧动画</a:t>
             </a:r>
             <a:endParaRPr sz="4200"/>
@@ -3308,7 +3529,9 @@
         <p:txBody>
           <a:bodyPr wrap="square" lIns="0" tIns="0" rIns="0" bIns="0" rtlCol="0"/>
           <a:lstStyle/>
-          <a:p/>
+          <a:p>
+            <a:endParaRPr/>
+          </a:p>
         </p:txBody>
       </p:sp>
     </p:spTree>
@@ -3352,7 +3575,7 @@
           </a:prstGeom>
         </p:spPr>
         <p:txBody>
-          <a:bodyPr wrap="square" lIns="0" tIns="12700" rIns="0" bIns="0" rtlCol="0" vert="horz">
+          <a:bodyPr vert="horz" wrap="square" lIns="0" tIns="12700" rIns="0" bIns="0" rtlCol="0">
             <a:spAutoFit/>
           </a:bodyPr>
           <a:lstStyle/>
@@ -3366,7 +3589,7 @@
               </a:spcBef>
             </a:pPr>
             <a:r>
-              <a:rPr dirty="0" sz="4200">
+              <a:rPr sz="4200" dirty="0">
                 <a:solidFill>
                   <a:srgbClr val="EBEBEB"/>
                 </a:solidFill>
@@ -3406,7 +3629,9 @@
         <p:txBody>
           <a:bodyPr wrap="square" lIns="0" tIns="0" rIns="0" bIns="0" rtlCol="0"/>
           <a:lstStyle/>
-          <a:p/>
+          <a:p>
+            <a:endParaRPr/>
+          </a:p>
         </p:txBody>
       </p:sp>
       <p:sp>
@@ -3425,7 +3650,7 @@
           </a:prstGeom>
         </p:spPr>
         <p:txBody>
-          <a:bodyPr wrap="square" lIns="0" tIns="13335" rIns="0" bIns="0" rtlCol="0" vert="horz">
+          <a:bodyPr vert="horz" wrap="square" lIns="0" tIns="13335" rIns="0" bIns="0" rtlCol="0">
             <a:spAutoFit/>
           </a:bodyPr>
           <a:lstStyle/>
@@ -3439,7 +3664,7 @@
               </a:spcBef>
             </a:pPr>
             <a:r>
-              <a:rPr dirty="0" sz="3200">
+              <a:rPr sz="3200" dirty="0">
                 <a:solidFill>
                   <a:srgbClr val="FFFFFF"/>
                 </a:solidFill>
@@ -3504,7 +3729,9 @@
         <p:txBody>
           <a:bodyPr wrap="square" lIns="0" tIns="0" rIns="0" bIns="0" rtlCol="0"/>
           <a:lstStyle/>
-          <a:p/>
+          <a:p>
+            <a:endParaRPr/>
+          </a:p>
         </p:txBody>
       </p:sp>
       <p:sp>
@@ -3531,7 +3758,9 @@
         <p:txBody>
           <a:bodyPr wrap="square" lIns="0" tIns="0" rIns="0" bIns="0" rtlCol="0"/>
           <a:lstStyle/>
-          <a:p/>
+          <a:p>
+            <a:endParaRPr/>
+          </a:p>
         </p:txBody>
       </p:sp>
       <p:sp>
@@ -3558,7 +3787,9 @@
         <p:txBody>
           <a:bodyPr wrap="square" lIns="0" tIns="0" rIns="0" bIns="0" rtlCol="0"/>
           <a:lstStyle/>
-          <a:p/>
+          <a:p>
+            <a:endParaRPr/>
+          </a:p>
         </p:txBody>
       </p:sp>
       <p:sp>
@@ -3585,7 +3816,9 @@
         <p:txBody>
           <a:bodyPr wrap="square" lIns="0" tIns="0" rIns="0" bIns="0" rtlCol="0"/>
           <a:lstStyle/>
-          <a:p/>
+          <a:p>
+            <a:endParaRPr/>
+          </a:p>
         </p:txBody>
       </p:sp>
       <p:sp>
@@ -3612,7 +3845,9 @@
         <p:txBody>
           <a:bodyPr wrap="square" lIns="0" tIns="0" rIns="0" bIns="0" rtlCol="0"/>
           <a:lstStyle/>
-          <a:p/>
+          <a:p>
+            <a:endParaRPr/>
+          </a:p>
         </p:txBody>
       </p:sp>
       <p:sp>
@@ -3639,7 +3874,9 @@
         <p:txBody>
           <a:bodyPr wrap="square" lIns="0" tIns="0" rIns="0" bIns="0" rtlCol="0"/>
           <a:lstStyle/>
-          <a:p/>
+          <a:p>
+            <a:endParaRPr/>
+          </a:p>
         </p:txBody>
       </p:sp>
       <p:sp>
@@ -3666,7 +3903,9 @@
         <p:txBody>
           <a:bodyPr wrap="square" lIns="0" tIns="0" rIns="0" bIns="0" rtlCol="0"/>
           <a:lstStyle/>
-          <a:p/>
+          <a:p>
+            <a:endParaRPr/>
+          </a:p>
         </p:txBody>
       </p:sp>
       <p:sp>
@@ -3693,7 +3932,9 @@
         <p:txBody>
           <a:bodyPr wrap="square" lIns="0" tIns="0" rIns="0" bIns="0" rtlCol="0"/>
           <a:lstStyle/>
-          <a:p/>
+          <a:p>
+            <a:endParaRPr/>
+          </a:p>
         </p:txBody>
       </p:sp>
       <p:sp>
@@ -3821,7 +4062,9 @@
         <p:txBody>
           <a:bodyPr wrap="square" lIns="0" tIns="0" rIns="0" bIns="0" rtlCol="0"/>
           <a:lstStyle/>
-          <a:p/>
+          <a:p>
+            <a:endParaRPr/>
+          </a:p>
         </p:txBody>
       </p:sp>
       <p:sp>
@@ -3848,7 +4091,9 @@
         <p:txBody>
           <a:bodyPr wrap="square" lIns="0" tIns="0" rIns="0" bIns="0" rtlCol="0"/>
           <a:lstStyle/>
-          <a:p/>
+          <a:p>
+            <a:endParaRPr/>
+          </a:p>
         </p:txBody>
       </p:sp>
       <p:sp>
@@ -3875,7 +4120,9 @@
         <p:txBody>
           <a:bodyPr wrap="square" lIns="0" tIns="0" rIns="0" bIns="0" rtlCol="0"/>
           <a:lstStyle/>
-          <a:p/>
+          <a:p>
+            <a:endParaRPr/>
+          </a:p>
         </p:txBody>
       </p:sp>
       <p:sp>
@@ -3893,7 +4140,7 @@
             <a:avLst/>
           </a:prstGeom>
           <a:blipFill>
-            <a:blip r:embed="rId12" cstate="print"/>
+            <a:blip r:embed="rId8" cstate="print"/>
             <a:stretch>
               <a:fillRect/>
             </a:stretch>
@@ -3902,7 +4149,9 @@
         <p:txBody>
           <a:bodyPr wrap="square" lIns="0" tIns="0" rIns="0" bIns="0" rtlCol="0"/>
           <a:lstStyle/>
-          <a:p/>
+          <a:p>
+            <a:endParaRPr/>
+          </a:p>
         </p:txBody>
       </p:sp>
       <p:sp>
@@ -3950,7 +4199,9 @@
         <p:txBody>
           <a:bodyPr wrap="square" lIns="0" tIns="0" rIns="0" bIns="0" rtlCol="0"/>
           <a:lstStyle/>
-          <a:p/>
+          <a:p>
+            <a:endParaRPr/>
+          </a:p>
         </p:txBody>
       </p:sp>
       <p:sp>
@@ -3968,10 +4219,12 @@
             <a:off x="727659" y="656031"/>
             <a:ext cx="4829175" cy="666115"/>
           </a:xfrm>
-          <a:prstGeom prst="rect"/>
+          <a:prstGeom prst="rect">
+            <a:avLst/>
+          </a:prstGeom>
         </p:spPr>
         <p:txBody>
-          <a:bodyPr wrap="square" lIns="0" tIns="12700" rIns="0" bIns="0" rtlCol="0" vert="horz">
+          <a:bodyPr vert="horz" wrap="square" lIns="0" tIns="12700" rIns="0" bIns="0" rtlCol="0">
             <a:spAutoFit/>
           </a:bodyPr>
           <a:lstStyle/>
@@ -3985,7 +4238,7 @@
               </a:spcBef>
             </a:pPr>
             <a:r>
-              <a:rPr dirty="0" sz="4200"/>
+              <a:rPr sz="4200" dirty="0"/>
               <a:t>游戏案例：捕鱼达人</a:t>
             </a:r>
             <a:endParaRPr sz="4200"/>
@@ -4007,7 +4260,7 @@
             <a:avLst/>
           </a:prstGeom>
           <a:blipFill>
-            <a:blip r:embed="rId13" cstate="print"/>
+            <a:blip r:embed="rId12" cstate="print"/>
             <a:stretch>
               <a:fillRect/>
             </a:stretch>
@@ -4016,7 +4269,9 @@
         <p:txBody>
           <a:bodyPr wrap="square" lIns="0" tIns="0" rIns="0" bIns="0" rtlCol="0"/>
           <a:lstStyle/>
-          <a:p/>
+          <a:p>
+            <a:endParaRPr/>
+          </a:p>
         </p:txBody>
       </p:sp>
     </p:spTree>
@@ -4059,10 +4314,12 @@
             <a:off x="724916" y="479805"/>
             <a:ext cx="7493000" cy="665480"/>
           </a:xfrm>
-          <a:prstGeom prst="rect"/>
+          <a:prstGeom prst="rect">
+            <a:avLst/>
+          </a:prstGeom>
         </p:spPr>
         <p:txBody>
-          <a:bodyPr wrap="square" lIns="0" tIns="12700" rIns="0" bIns="0" rtlCol="0" vert="horz">
+          <a:bodyPr vert="horz" wrap="square" lIns="0" tIns="12700" rIns="0" bIns="0" rtlCol="0">
             <a:spAutoFit/>
           </a:bodyPr>
           <a:lstStyle/>
@@ -4076,7 +4333,7 @@
               </a:spcBef>
             </a:pPr>
             <a:r>
-              <a:rPr dirty="0" sz="4200"/>
+              <a:rPr sz="4200" dirty="0"/>
               <a:t>点击控制大炮的方向，发射子弹</a:t>
             </a:r>
             <a:endParaRPr sz="4200"/>
@@ -4099,7 +4356,7 @@
           </a:prstGeom>
         </p:spPr>
         <p:txBody>
-          <a:bodyPr wrap="square" lIns="0" tIns="43815" rIns="0" bIns="0" rtlCol="0" vert="horz">
+          <a:bodyPr vert="horz" wrap="square" lIns="0" tIns="43815" rIns="0" bIns="0" rtlCol="0">
             <a:spAutoFit/>
           </a:bodyPr>
           <a:lstStyle/>
@@ -4113,7 +4370,7 @@
               </a:spcBef>
             </a:pPr>
             <a:r>
-              <a:rPr dirty="0" sz="2550" spc="445">
+              <a:rPr sz="2550" spc="445" dirty="0">
                 <a:solidFill>
                   <a:srgbClr val="89D0D5"/>
                 </a:solidFill>
@@ -4123,7 +4380,7 @@
               <a:t></a:t>
             </a:r>
             <a:r>
-              <a:rPr dirty="0" sz="2550" spc="-325">
+              <a:rPr sz="2550" spc="-325" dirty="0">
                 <a:solidFill>
                   <a:srgbClr val="89D0D5"/>
                 </a:solidFill>
@@ -4133,7 +4390,7 @@
               <a:t> </a:t>
             </a:r>
             <a:r>
-              <a:rPr dirty="0" sz="3200" spc="5">
+              <a:rPr sz="3200" spc="5" dirty="0">
                 <a:solidFill>
                   <a:srgbClr val="FFFFFF"/>
                 </a:solidFill>
@@ -4143,7 +4400,7 @@
               <a:t>点击屏幕触</a:t>
             </a:r>
             <a:r>
-              <a:rPr dirty="0" sz="3200" spc="-10">
+              <a:rPr sz="3200" spc="-10" dirty="0">
                 <a:solidFill>
                   <a:srgbClr val="FFFFFF"/>
                 </a:solidFill>
@@ -4153,7 +4410,7 @@
               <a:t>发</a:t>
             </a:r>
             <a:r>
-              <a:rPr dirty="0" sz="3200" spc="5">
+              <a:rPr sz="3200" spc="5" dirty="0">
                 <a:solidFill>
                   <a:srgbClr val="FFFF00"/>
                 </a:solidFill>
@@ -4163,7 +4420,7 @@
               <a:t>触屏响</a:t>
             </a:r>
             <a:r>
-              <a:rPr dirty="0" sz="3200" spc="-5">
+              <a:rPr sz="3200" spc="-5" dirty="0">
                 <a:solidFill>
                   <a:srgbClr val="FFFF00"/>
                 </a:solidFill>
@@ -4173,7 +4430,7 @@
               <a:t>应</a:t>
             </a:r>
             <a:r>
-              <a:rPr dirty="0" sz="3200" spc="-10">
+              <a:rPr sz="3200" spc="-10" dirty="0">
                 <a:solidFill>
                   <a:srgbClr val="FFFFFF"/>
                 </a:solidFill>
@@ -4183,7 +4440,7 @@
               <a:t>事</a:t>
             </a:r>
             <a:r>
-              <a:rPr dirty="0" sz="3200" spc="5">
+              <a:rPr sz="3200" spc="5" dirty="0">
                 <a:solidFill>
                   <a:srgbClr val="FFFFFF"/>
                 </a:solidFill>
@@ -4193,7 +4450,7 @@
               <a:t>件，</a:t>
             </a:r>
             <a:r>
-              <a:rPr dirty="0" sz="3200" spc="-15">
+              <a:rPr sz="3200" spc="-15" dirty="0">
                 <a:solidFill>
                   <a:srgbClr val="FFFFFF"/>
                 </a:solidFill>
@@ -4203,7 +4460,7 @@
               <a:t>监</a:t>
             </a:r>
             <a:r>
-              <a:rPr dirty="0" sz="3200" spc="5">
+              <a:rPr sz="3200" spc="5" dirty="0">
                 <a:solidFill>
                   <a:srgbClr val="FFFFFF"/>
                 </a:solidFill>
@@ -4213,7 +4470,7 @@
               <a:t>听器</a:t>
             </a:r>
             <a:r>
-              <a:rPr dirty="0" sz="3200" spc="-15">
+              <a:rPr sz="3200" spc="-15" dirty="0">
                 <a:solidFill>
                   <a:srgbClr val="FFFFFF"/>
                 </a:solidFill>
@@ -4223,7 +4480,7 @@
               <a:t>返</a:t>
             </a:r>
             <a:r>
-              <a:rPr dirty="0" sz="3200" spc="5">
+              <a:rPr sz="3200" spc="5" dirty="0">
                 <a:solidFill>
                   <a:srgbClr val="FFFFFF"/>
                 </a:solidFill>
@@ -4233,7 +4490,7 @@
               <a:t>回触</a:t>
             </a:r>
             <a:r>
-              <a:rPr dirty="0" sz="3200" spc="-770">
+              <a:rPr sz="3200" spc="-770" dirty="0">
                 <a:solidFill>
                   <a:srgbClr val="FFFFFF"/>
                 </a:solidFill>
@@ -4243,7 +4500,7 @@
               <a:t>摸 </a:t>
             </a:r>
             <a:r>
-              <a:rPr dirty="0" sz="3200">
+              <a:rPr sz="3200" dirty="0">
                 <a:solidFill>
                   <a:srgbClr val="FFFFFF"/>
                 </a:solidFill>
@@ -4253,7 +4510,7 @@
               <a:t>点的坐标</a:t>
             </a:r>
             <a:r>
-              <a:rPr dirty="0" sz="3200" spc="-35">
+              <a:rPr sz="3200" spc="-35" dirty="0">
                 <a:solidFill>
                   <a:srgbClr val="FFFFFF"/>
                 </a:solidFill>
@@ -4263,7 +4520,7 @@
               <a:t>（</a:t>
             </a:r>
             <a:r>
-              <a:rPr dirty="0" sz="3200" spc="-35">
+              <a:rPr sz="3200" spc="-35" dirty="0">
                 <a:solidFill>
                   <a:srgbClr val="FFFFFF"/>
                 </a:solidFill>
@@ -4273,7 +4530,7 @@
               <a:t>Touch</a:t>
             </a:r>
             <a:r>
-              <a:rPr dirty="0" sz="3200">
+              <a:rPr sz="3200" dirty="0">
                 <a:solidFill>
                   <a:srgbClr val="FFFFFF"/>
                 </a:solidFill>
@@ -4282,7 +4539,7 @@
               </a:rPr>
               <a:t>坐标）</a:t>
             </a:r>
-            <a:endParaRPr sz="3200">
+            <a:endParaRPr sz="3200" dirty="0">
               <a:latin typeface="Droid Sans Fallback"/>
               <a:cs typeface="Droid Sans Fallback"/>
             </a:endParaRPr>
@@ -4297,7 +4554,7 @@
               </a:spcBef>
             </a:pPr>
             <a:r>
-              <a:rPr dirty="0" sz="2550" spc="445">
+              <a:rPr sz="2550" spc="445" dirty="0">
                 <a:solidFill>
                   <a:srgbClr val="89D0D5"/>
                 </a:solidFill>
@@ -4307,7 +4564,7 @@
               <a:t></a:t>
             </a:r>
             <a:r>
-              <a:rPr dirty="0" sz="2550" spc="-285">
+              <a:rPr sz="2550" spc="-285" dirty="0">
                 <a:solidFill>
                   <a:srgbClr val="89D0D5"/>
                 </a:solidFill>
@@ -4317,7 +4574,7 @@
               <a:t> </a:t>
             </a:r>
             <a:r>
-              <a:rPr dirty="0" sz="3200" spc="-40">
+              <a:rPr sz="3200" spc="-40" dirty="0">
                 <a:solidFill>
                   <a:srgbClr val="FFFF00"/>
                 </a:solidFill>
@@ -4327,7 +4584,7 @@
               <a:t>Touch</a:t>
             </a:r>
             <a:r>
-              <a:rPr dirty="0" sz="3200">
+              <a:rPr sz="3200" dirty="0">
                 <a:solidFill>
                   <a:srgbClr val="FFFF00"/>
                 </a:solidFill>
@@ -4337,7 +4594,7 @@
               <a:t>坐标是触摸点</a:t>
             </a:r>
             <a:r>
-              <a:rPr dirty="0" sz="3200" spc="90">
+              <a:rPr sz="3200" spc="90" dirty="0">
                 <a:solidFill>
                   <a:srgbClr val="FFFF00"/>
                 </a:solidFill>
@@ -4347,7 +4604,7 @@
               <a:t>OpenGL</a:t>
             </a:r>
             <a:r>
-              <a:rPr dirty="0" sz="3200" spc="-15">
+              <a:rPr sz="3200" spc="-15" dirty="0">
                 <a:solidFill>
                   <a:srgbClr val="FFFF00"/>
                 </a:solidFill>
@@ -4357,7 +4614,7 @@
               <a:t>坐</a:t>
             </a:r>
             <a:r>
-              <a:rPr dirty="0" sz="3200">
+              <a:rPr sz="3200" dirty="0">
                 <a:solidFill>
                   <a:srgbClr val="FFFF00"/>
                 </a:solidFill>
@@ -4367,7 +4624,7 @@
               <a:t>标系</a:t>
             </a:r>
             <a:r>
-              <a:rPr dirty="0" sz="3200" spc="-15">
+              <a:rPr sz="3200" spc="-15" dirty="0">
                 <a:solidFill>
                   <a:srgbClr val="FFFF00"/>
                 </a:solidFill>
@@ -4377,7 +4634,7 @@
               <a:t>中</a:t>
             </a:r>
             <a:r>
-              <a:rPr dirty="0" sz="3200">
+              <a:rPr sz="3200" dirty="0">
                 <a:solidFill>
                   <a:srgbClr val="FFFF00"/>
                 </a:solidFill>
@@ -4387,7 +4644,7 @@
               <a:t>的点</a:t>
             </a:r>
             <a:r>
-              <a:rPr dirty="0" sz="3200" spc="-755">
+              <a:rPr sz="3200" spc="-755" dirty="0">
                 <a:solidFill>
                   <a:srgbClr val="FFFF00"/>
                 </a:solidFill>
@@ -4397,7 +4654,7 @@
               <a:t>坐 </a:t>
             </a:r>
             <a:r>
-              <a:rPr dirty="0" sz="3200" spc="5">
+              <a:rPr sz="3200" spc="5" dirty="0">
                 <a:solidFill>
                   <a:srgbClr val="FFFF00"/>
                 </a:solidFill>
@@ -4407,7 +4664,7 @@
               <a:t>标，也就是</a:t>
             </a:r>
             <a:r>
-              <a:rPr dirty="0" sz="3200" spc="-10">
+              <a:rPr sz="3200" spc="-10" dirty="0">
                 <a:solidFill>
                   <a:srgbClr val="FFFF00"/>
                 </a:solidFill>
@@ -4417,7 +4674,7 @@
               <a:t>在</a:t>
             </a:r>
             <a:r>
-              <a:rPr dirty="0" sz="3200" spc="-20">
+              <a:rPr sz="3200" spc="-20" dirty="0">
                 <a:solidFill>
                   <a:srgbClr val="FFFF00"/>
                 </a:solidFill>
@@ -4427,7 +4684,7 @@
               <a:t>Cocos2d-x</a:t>
             </a:r>
             <a:r>
-              <a:rPr dirty="0" sz="3200" spc="5">
+              <a:rPr sz="3200" spc="5" dirty="0">
                 <a:solidFill>
                   <a:srgbClr val="FFFF00"/>
                 </a:solidFill>
@@ -4437,7 +4694,7 @@
               <a:t>坐标系</a:t>
             </a:r>
             <a:r>
-              <a:rPr dirty="0" sz="3200" spc="-20">
+              <a:rPr sz="3200" spc="-20" dirty="0">
                 <a:solidFill>
                   <a:srgbClr val="FFFF00"/>
                 </a:solidFill>
@@ -4447,7 +4704,7 @@
               <a:t>位</a:t>
             </a:r>
             <a:r>
-              <a:rPr dirty="0" sz="3200" spc="5">
+              <a:rPr sz="3200" spc="5" dirty="0">
                 <a:solidFill>
                   <a:srgbClr val="FFFF00"/>
                 </a:solidFill>
@@ -4456,7 +4713,7 @@
               </a:rPr>
               <a:t>置</a:t>
             </a:r>
-            <a:endParaRPr sz="3200">
+            <a:endParaRPr sz="3200" dirty="0">
               <a:latin typeface="Droid Sans Fallback"/>
               <a:cs typeface="Droid Sans Fallback"/>
             </a:endParaRPr>
@@ -4503,10 +4760,12 @@
             <a:off x="724916" y="479805"/>
             <a:ext cx="4197350" cy="665480"/>
           </a:xfrm>
-          <a:prstGeom prst="rect"/>
+          <a:prstGeom prst="rect">
+            <a:avLst/>
+          </a:prstGeom>
         </p:spPr>
         <p:txBody>
-          <a:bodyPr wrap="square" lIns="0" tIns="12700" rIns="0" bIns="0" rtlCol="0" vert="horz">
+          <a:bodyPr vert="horz" wrap="square" lIns="0" tIns="12700" rIns="0" bIns="0" rtlCol="0">
             <a:spAutoFit/>
           </a:bodyPr>
           <a:lstStyle/>
@@ -4520,28 +4779,28 @@
               </a:spcBef>
             </a:pPr>
             <a:r>
-              <a:rPr dirty="0" sz="4200" spc="220">
+              <a:rPr sz="4200" spc="220" dirty="0">
                 <a:latin typeface="Verdana"/>
                 <a:cs typeface="Verdana"/>
               </a:rPr>
               <a:t>Coco2d</a:t>
             </a:r>
             <a:r>
-              <a:rPr dirty="0" sz="4200" spc="-520">
+              <a:rPr sz="4200" spc="-520" dirty="0">
                 <a:latin typeface="Verdana"/>
                 <a:cs typeface="Verdana"/>
               </a:rPr>
               <a:t>-</a:t>
             </a:r>
             <a:r>
-              <a:rPr dirty="0" sz="4200" spc="-470">
+              <a:rPr sz="4200" spc="-470" dirty="0">
                 <a:latin typeface="Verdana"/>
                 <a:cs typeface="Verdana"/>
               </a:rPr>
               <a:t>x</a:t>
             </a:r>
             <a:r>
-              <a:rPr dirty="0" sz="4200"/>
+              <a:rPr sz="4200" dirty="0"/>
               <a:t>坐标系</a:t>
             </a:r>
             <a:endParaRPr sz="4200">
@@ -4575,7 +4834,9 @@
         <p:txBody>
           <a:bodyPr wrap="square" lIns="0" tIns="0" rIns="0" bIns="0" rtlCol="0"/>
           <a:lstStyle/>
-          <a:p/>
+          <a:p>
+            <a:endParaRPr/>
+          </a:p>
         </p:txBody>
       </p:sp>
     </p:spTree>
@@ -4618,10 +4879,12 @@
             <a:off x="724916" y="479805"/>
             <a:ext cx="7493000" cy="665480"/>
           </a:xfrm>
-          <a:prstGeom prst="rect"/>
+          <a:prstGeom prst="rect">
+            <a:avLst/>
+          </a:prstGeom>
         </p:spPr>
         <p:txBody>
-          <a:bodyPr wrap="square" lIns="0" tIns="12700" rIns="0" bIns="0" rtlCol="0" vert="horz">
+          <a:bodyPr vert="horz" wrap="square" lIns="0" tIns="12700" rIns="0" bIns="0" rtlCol="0">
             <a:spAutoFit/>
           </a:bodyPr>
           <a:lstStyle/>
@@ -4635,7 +4898,7 @@
               </a:spcBef>
             </a:pPr>
             <a:r>
-              <a:rPr dirty="0" sz="4200"/>
+              <a:rPr sz="4200" dirty="0"/>
               <a:t>点击控制大炮的方向，发射子弹</a:t>
             </a:r>
             <a:endParaRPr sz="4200"/>
@@ -4658,7 +4921,7 @@
           </a:prstGeom>
         </p:spPr>
         <p:txBody>
-          <a:bodyPr wrap="square" lIns="0" tIns="13335" rIns="0" bIns="0" rtlCol="0" vert="horz">
+          <a:bodyPr vert="horz" wrap="square" lIns="0" tIns="13335" rIns="0" bIns="0" rtlCol="0">
             <a:spAutoFit/>
           </a:bodyPr>
           <a:lstStyle/>
@@ -4672,7 +4935,7 @@
               </a:spcBef>
             </a:pPr>
             <a:r>
-              <a:rPr dirty="0" sz="2550" spc="445">
+              <a:rPr sz="2550" spc="445" dirty="0">
                 <a:solidFill>
                   <a:srgbClr val="89D0D5"/>
                 </a:solidFill>
@@ -4682,7 +4945,7 @@
               <a:t></a:t>
             </a:r>
             <a:r>
-              <a:rPr dirty="0" sz="2550" spc="-275">
+              <a:rPr sz="2550" spc="-275" dirty="0">
                 <a:solidFill>
                   <a:srgbClr val="89D0D5"/>
                 </a:solidFill>
@@ -4692,7 +4955,7 @@
               <a:t> </a:t>
             </a:r>
             <a:r>
-              <a:rPr dirty="0" sz="3200" spc="85">
+              <a:rPr sz="3200" spc="85" dirty="0">
                 <a:solidFill>
                   <a:srgbClr val="FFFFFF"/>
                 </a:solidFill>
@@ -4702,7 +4965,7 @@
               <a:t>Cocos2d</a:t>
             </a:r>
             <a:r>
-              <a:rPr dirty="0" sz="3200">
+              <a:rPr sz="3200" dirty="0">
                 <a:solidFill>
                   <a:srgbClr val="FFFFFF"/>
                 </a:solidFill>
@@ -4712,7 +4975,7 @@
               <a:t>中的元素</a:t>
             </a:r>
             <a:r>
-              <a:rPr dirty="0" sz="3200" spc="-15">
+              <a:rPr sz="3200" spc="-15" dirty="0">
                 <a:solidFill>
                   <a:srgbClr val="FFFFFF"/>
                 </a:solidFill>
@@ -4722,7 +4985,7 @@
               <a:t>是</a:t>
             </a:r>
             <a:r>
-              <a:rPr dirty="0" sz="3200">
+              <a:rPr sz="3200" dirty="0">
                 <a:solidFill>
                   <a:srgbClr val="FFFFFF"/>
                 </a:solidFill>
@@ -4732,7 +4995,7 @@
               <a:t>有父</a:t>
             </a:r>
             <a:r>
-              <a:rPr dirty="0" sz="3200" spc="-15">
+              <a:rPr sz="3200" spc="-15" dirty="0">
                 <a:solidFill>
                   <a:srgbClr val="FFFFFF"/>
                 </a:solidFill>
@@ -4742,7 +5005,7 @@
               <a:t>子</a:t>
             </a:r>
             <a:r>
-              <a:rPr dirty="0" sz="3200">
+              <a:rPr sz="3200" dirty="0">
                 <a:solidFill>
                   <a:srgbClr val="FFFFFF"/>
                 </a:solidFill>
@@ -4752,7 +5015,7 @@
               <a:t>关系</a:t>
             </a:r>
             <a:r>
-              <a:rPr dirty="0" sz="3200" spc="-15">
+              <a:rPr sz="3200" spc="-15" dirty="0">
                 <a:solidFill>
                   <a:srgbClr val="FFFFFF"/>
                 </a:solidFill>
@@ -4762,7 +5025,7 @@
               <a:t>的</a:t>
             </a:r>
             <a:r>
-              <a:rPr dirty="0" sz="3200">
+              <a:rPr sz="3200" dirty="0">
                 <a:solidFill>
                   <a:srgbClr val="FFFFFF"/>
                 </a:solidFill>
@@ -4772,7 +5035,7 @@
               <a:t>层级</a:t>
             </a:r>
             <a:r>
-              <a:rPr dirty="0" sz="3200" spc="-15">
+              <a:rPr sz="3200" spc="-15" dirty="0">
                 <a:solidFill>
                   <a:srgbClr val="FFFFFF"/>
                 </a:solidFill>
@@ -4782,7 +5045,7 @@
               <a:t>结</a:t>
             </a:r>
             <a:r>
-              <a:rPr dirty="0" sz="3200">
+              <a:rPr sz="3200" dirty="0">
                 <a:solidFill>
                   <a:srgbClr val="FFFFFF"/>
                 </a:solidFill>
@@ -4792,7 +5055,7 @@
               <a:t>构</a:t>
             </a:r>
             <a:r>
-              <a:rPr dirty="0" sz="3200" spc="-760">
+              <a:rPr sz="3200" spc="-760" dirty="0">
                 <a:solidFill>
                   <a:srgbClr val="FFFFFF"/>
                 </a:solidFill>
@@ -4802,7 +5065,7 @@
               <a:t>，  </a:t>
             </a:r>
             <a:r>
-              <a:rPr dirty="0" sz="3200">
+              <a:rPr sz="3200" dirty="0">
                 <a:solidFill>
                   <a:srgbClr val="FFFFFF"/>
                 </a:solidFill>
@@ -4812,7 +5075,7 @@
               <a:t>我们通</a:t>
             </a:r>
             <a:r>
-              <a:rPr dirty="0" sz="3200" spc="-10">
+              <a:rPr sz="3200" spc="-10" dirty="0">
                 <a:solidFill>
                   <a:srgbClr val="FFFFFF"/>
                 </a:solidFill>
@@ -4822,7 +5085,7 @@
               <a:t>过</a:t>
             </a:r>
             <a:r>
-              <a:rPr dirty="0" sz="3200" spc="125">
+              <a:rPr sz="3200" spc="125" dirty="0">
                 <a:solidFill>
                   <a:srgbClr val="FFFFFF"/>
                 </a:solidFill>
@@ -4832,7 +5095,7 @@
               <a:t>Node</a:t>
             </a:r>
             <a:r>
-              <a:rPr dirty="0" sz="3200" spc="-15">
+              <a:rPr sz="3200" spc="-15" dirty="0">
                 <a:solidFill>
                   <a:srgbClr val="FFFFFF"/>
                 </a:solidFill>
@@ -4842,7 +5105,7 @@
               <a:t>的</a:t>
             </a:r>
             <a:r>
-              <a:rPr dirty="0" sz="3200" spc="-125">
+              <a:rPr sz="3200" spc="-125" dirty="0">
                 <a:solidFill>
                   <a:srgbClr val="FFFF00"/>
                 </a:solidFill>
@@ -4852,7 +5115,7 @@
               <a:t>setPosition</a:t>
             </a:r>
             <a:r>
-              <a:rPr dirty="0" sz="3200">
+              <a:rPr sz="3200" dirty="0">
                 <a:solidFill>
                   <a:srgbClr val="FFFF00"/>
                 </a:solidFill>
@@ -4862,7 +5125,7 @@
               <a:t>设定元素</a:t>
             </a:r>
             <a:r>
-              <a:rPr dirty="0" sz="3200" spc="-15">
+              <a:rPr sz="3200" spc="-15" dirty="0">
                 <a:solidFill>
                   <a:srgbClr val="FFFF00"/>
                 </a:solidFill>
@@ -4872,7 +5135,7 @@
               <a:t>的</a:t>
             </a:r>
             <a:r>
-              <a:rPr dirty="0" sz="3200">
+              <a:rPr sz="3200" dirty="0">
                 <a:solidFill>
                   <a:srgbClr val="FFFF00"/>
                 </a:solidFill>
@@ -4882,7 +5145,7 @@
               <a:t>位置 使用的是相对与其父节</a:t>
             </a:r>
             <a:r>
-              <a:rPr dirty="0" sz="3200" spc="-15">
+              <a:rPr sz="3200" spc="-15" dirty="0">
                 <a:solidFill>
                   <a:srgbClr val="FFFF00"/>
                 </a:solidFill>
@@ -4892,7 +5155,7 @@
               <a:t>点</a:t>
             </a:r>
             <a:r>
-              <a:rPr dirty="0" sz="3200">
+              <a:rPr sz="3200" dirty="0">
                 <a:solidFill>
                   <a:srgbClr val="FFFF00"/>
                 </a:solidFill>
@@ -4902,7 +5165,7 @@
               <a:t>的本</a:t>
             </a:r>
             <a:r>
-              <a:rPr dirty="0" sz="3200" spc="-15">
+              <a:rPr sz="3200" spc="-15" dirty="0">
                 <a:solidFill>
                   <a:srgbClr val="FFFF00"/>
                 </a:solidFill>
@@ -4912,7 +5175,7 @@
               <a:t>地</a:t>
             </a:r>
             <a:r>
-              <a:rPr dirty="0" sz="3200">
+              <a:rPr sz="3200" dirty="0">
                 <a:solidFill>
                   <a:srgbClr val="FFFF00"/>
                 </a:solidFill>
@@ -4922,7 +5185,7 @@
               <a:t>坐</a:t>
             </a:r>
             <a:r>
-              <a:rPr dirty="0" sz="3200" spc="-30">
+              <a:rPr sz="3200" spc="-30" dirty="0">
                 <a:solidFill>
                   <a:srgbClr val="FFFF00"/>
                 </a:solidFill>
@@ -4932,7 +5195,7 @@
               <a:t>标</a:t>
             </a:r>
             <a:r>
-              <a:rPr dirty="0" sz="3200" spc="-15">
+              <a:rPr sz="3200" spc="-15" dirty="0">
                 <a:solidFill>
                   <a:srgbClr val="FFFFFF"/>
                 </a:solidFill>
@@ -4942,7 +5205,7 @@
               <a:t>，</a:t>
             </a:r>
             <a:r>
-              <a:rPr dirty="0" sz="3200">
+              <a:rPr sz="3200" dirty="0">
                 <a:solidFill>
                   <a:srgbClr val="FFFFFF"/>
                 </a:solidFill>
@@ -4952,7 +5215,7 @@
               <a:t>最后在 </a:t>
             </a:r>
             <a:r>
-              <a:rPr dirty="0" sz="3200" spc="5">
+              <a:rPr sz="3200" spc="5" dirty="0">
                 <a:solidFill>
                   <a:srgbClr val="FFFFFF"/>
                 </a:solidFill>
@@ -4962,7 +5225,7 @@
               <a:t>绘制屏幕的</a:t>
             </a:r>
             <a:r>
-              <a:rPr dirty="0" sz="3200" spc="-10">
+              <a:rPr sz="3200" spc="-10" dirty="0">
                 <a:solidFill>
                   <a:srgbClr val="FFFFFF"/>
                 </a:solidFill>
@@ -4972,7 +5235,7 @@
               <a:t>时</a:t>
             </a:r>
             <a:r>
-              <a:rPr dirty="0" sz="3200" spc="135">
+              <a:rPr sz="3200" spc="135" dirty="0">
                 <a:solidFill>
                   <a:srgbClr val="FFFFFF"/>
                 </a:solidFill>
@@ -4982,7 +5245,7 @@
               <a:t>Coco</a:t>
             </a:r>
             <a:r>
-              <a:rPr dirty="0" sz="3200" spc="120">
+              <a:rPr sz="3200" spc="120" dirty="0">
                 <a:solidFill>
                   <a:srgbClr val="FFFFFF"/>
                 </a:solidFill>
@@ -4992,7 +5255,7 @@
               <a:t>s</a:t>
             </a:r>
             <a:r>
-              <a:rPr dirty="0" sz="3200" spc="-35">
+              <a:rPr sz="3200" spc="-35" dirty="0">
                 <a:solidFill>
                   <a:srgbClr val="FFFFFF"/>
                 </a:solidFill>
@@ -5002,7 +5265,7 @@
               <a:t>2</a:t>
             </a:r>
             <a:r>
-              <a:rPr dirty="0" sz="3200" spc="-50">
+              <a:rPr sz="3200" spc="-50" dirty="0">
                 <a:solidFill>
                   <a:srgbClr val="FFFFFF"/>
                 </a:solidFill>
@@ -5012,7 +5275,7 @@
               <a:t>d</a:t>
             </a:r>
             <a:r>
-              <a:rPr dirty="0" sz="3200" spc="5">
+              <a:rPr sz="3200" spc="5" dirty="0">
                 <a:solidFill>
                   <a:srgbClr val="FFFFFF"/>
                 </a:solidFill>
@@ -5022,7 +5285,7 @@
               <a:t>会</a:t>
             </a:r>
             <a:r>
-              <a:rPr dirty="0" sz="3200" spc="-15">
+              <a:rPr sz="3200" spc="-15" dirty="0">
                 <a:solidFill>
                   <a:srgbClr val="FFFFFF"/>
                 </a:solidFill>
@@ -5032,7 +5295,7 @@
               <a:t>把</a:t>
             </a:r>
             <a:r>
-              <a:rPr dirty="0" sz="3200" spc="5">
+              <a:rPr sz="3200" spc="5" dirty="0">
                 <a:solidFill>
                   <a:srgbClr val="FFFFFF"/>
                 </a:solidFill>
@@ -5042,7 +5305,7 @@
               <a:t>这些</a:t>
             </a:r>
             <a:r>
-              <a:rPr dirty="0" sz="3200" spc="-15">
+              <a:rPr sz="3200" spc="-15" dirty="0">
                 <a:solidFill>
                   <a:srgbClr val="FFFFFF"/>
                 </a:solidFill>
@@ -5052,7 +5315,7 @@
               <a:t>元</a:t>
             </a:r>
             <a:r>
-              <a:rPr dirty="0" sz="3200" spc="5">
+              <a:rPr sz="3200" spc="5" dirty="0">
                 <a:solidFill>
                   <a:srgbClr val="FFFFFF"/>
                 </a:solidFill>
@@ -5062,7 +5325,7 @@
               <a:t>素的</a:t>
             </a:r>
             <a:r>
-              <a:rPr dirty="0" sz="3200" spc="-15">
+              <a:rPr sz="3200" spc="-15" dirty="0">
                 <a:solidFill>
                   <a:srgbClr val="FFFFFF"/>
                 </a:solidFill>
@@ -5072,26 +5335,16 @@
               <a:t>本</a:t>
             </a:r>
             <a:r>
-              <a:rPr dirty="0" sz="3200">
-                <a:solidFill>
-                  <a:srgbClr val="FFFFFF"/>
-                </a:solidFill>
-                <a:latin typeface="Droid Sans Fallback"/>
-                <a:cs typeface="Droid Sans Fallback"/>
-              </a:rPr>
-              <a:t>地坐 </a:t>
-            </a:r>
-            <a:r>
-              <a:rPr dirty="0" sz="3200">
-                <a:solidFill>
-                  <a:srgbClr val="FFFFFF"/>
-                </a:solidFill>
-                <a:latin typeface="Droid Sans Fallback"/>
-                <a:cs typeface="Droid Sans Fallback"/>
-              </a:rPr>
-              <a:t>标映射成世界坐标系坐标</a:t>
-            </a:r>
-            <a:endParaRPr sz="3200">
+              <a:rPr sz="3200" dirty="0">
+                <a:solidFill>
+                  <a:srgbClr val="FFFFFF"/>
+                </a:solidFill>
+                <a:latin typeface="Droid Sans Fallback"/>
+                <a:cs typeface="Droid Sans Fallback"/>
+              </a:rPr>
+              <a:t>地坐 标映射成世界坐标系坐标</a:t>
+            </a:r>
+            <a:endParaRPr sz="3200" dirty="0">
               <a:latin typeface="Droid Sans Fallback"/>
               <a:cs typeface="Droid Sans Fallback"/>
             </a:endParaRPr>
@@ -5138,10 +5391,12 @@
             <a:off x="724916" y="479805"/>
             <a:ext cx="4826000" cy="665480"/>
           </a:xfrm>
-          <a:prstGeom prst="rect"/>
+          <a:prstGeom prst="rect">
+            <a:avLst/>
+          </a:prstGeom>
         </p:spPr>
         <p:txBody>
-          <a:bodyPr wrap="square" lIns="0" tIns="12700" rIns="0" bIns="0" rtlCol="0" vert="horz">
+          <a:bodyPr vert="horz" wrap="square" lIns="0" tIns="12700" rIns="0" bIns="0" rtlCol="0">
             <a:spAutoFit/>
           </a:bodyPr>
           <a:lstStyle/>
@@ -5155,7 +5410,7 @@
               </a:spcBef>
             </a:pPr>
             <a:r>
-              <a:rPr dirty="0" sz="4200"/>
+              <a:rPr sz="4200" dirty="0"/>
               <a:t>世界坐标与本地坐标</a:t>
             </a:r>
             <a:endParaRPr sz="4200"/>
@@ -5171,14 +5426,14 @@
         <p:spPr>
           <a:xfrm>
             <a:off x="1182116" y="2098370"/>
-            <a:ext cx="8507730" cy="3063240"/>
+            <a:ext cx="8723884" cy="3092000"/>
           </a:xfrm>
           <a:prstGeom prst="rect">
             <a:avLst/>
           </a:prstGeom>
         </p:spPr>
         <p:txBody>
-          <a:bodyPr wrap="square" lIns="0" tIns="13335" rIns="0" bIns="0" rtlCol="0" vert="horz">
+          <a:bodyPr vert="horz" wrap="square" lIns="0" tIns="13335" rIns="0" bIns="0" rtlCol="0">
             <a:spAutoFit/>
           </a:bodyPr>
           <a:lstStyle/>
@@ -5192,27 +5447,17 @@
               </a:spcBef>
             </a:pPr>
             <a:r>
-              <a:rPr dirty="0" sz="2550" spc="445">
+              <a:rPr lang="en-US" sz="2550" spc="445" dirty="0">
                 <a:solidFill>
                   <a:srgbClr val="89D0D5"/>
                 </a:solidFill>
                 <a:latin typeface="Arial"/>
                 <a:cs typeface="Arial"/>
               </a:rPr>
-              <a:t></a:t>
-            </a:r>
-            <a:r>
-              <a:rPr dirty="0" sz="2550" spc="-325">
-                <a:solidFill>
-                  <a:srgbClr val="89D0D5"/>
-                </a:solidFill>
-                <a:latin typeface="Arial"/>
-                <a:cs typeface="Arial"/>
-              </a:rPr>
-              <a:t> </a:t>
-            </a:r>
-            <a:r>
-              <a:rPr dirty="0" sz="3200" spc="5">
+              <a:t>	</a:t>
+            </a:r>
+            <a:r>
+              <a:rPr sz="3200" spc="5" dirty="0" smtClean="0">
                 <a:solidFill>
                   <a:srgbClr val="FFFF00"/>
                 </a:solidFill>
@@ -5222,7 +5467,7 @@
               <a:t>世界坐标</a:t>
             </a:r>
             <a:r>
-              <a:rPr dirty="0" sz="3200" spc="-5">
+              <a:rPr sz="3200" spc="-5" dirty="0" smtClean="0">
                 <a:solidFill>
                   <a:srgbClr val="FFFF00"/>
                 </a:solidFill>
@@ -5232,7 +5477,7 @@
               <a:t>系</a:t>
             </a:r>
             <a:r>
-              <a:rPr dirty="0" sz="3200" spc="5">
+              <a:rPr sz="3200" spc="5" dirty="0" smtClean="0">
                 <a:solidFill>
                   <a:srgbClr val="FFFFFF"/>
                 </a:solidFill>
@@ -5242,7 +5487,7 @@
               <a:t>也叫做绝</a:t>
             </a:r>
             <a:r>
-              <a:rPr dirty="0" sz="3200" spc="-10">
+              <a:rPr sz="3200" spc="-10" dirty="0" smtClean="0">
                 <a:solidFill>
                   <a:srgbClr val="FFFFFF"/>
                 </a:solidFill>
@@ -5252,7 +5497,7 @@
               <a:t>对坐</a:t>
             </a:r>
             <a:r>
-              <a:rPr dirty="0" sz="3200" spc="5">
+              <a:rPr sz="3200" spc="5" dirty="0" smtClean="0">
                 <a:solidFill>
                   <a:srgbClr val="FFFFFF"/>
                 </a:solidFill>
@@ -5262,7 +5507,7 @@
               <a:t>标系</a:t>
             </a:r>
             <a:r>
-              <a:rPr dirty="0" sz="3200" spc="-15">
+              <a:rPr sz="3200" spc="-15" dirty="0">
                 <a:solidFill>
                   <a:srgbClr val="FFFFFF"/>
                 </a:solidFill>
@@ -5272,7 +5517,7 @@
               <a:t>。</a:t>
             </a:r>
             <a:r>
-              <a:rPr dirty="0" sz="3200" spc="5">
+              <a:rPr sz="3200" spc="5" dirty="0" smtClean="0">
                 <a:solidFill>
                   <a:srgbClr val="FFFFFF"/>
                 </a:solidFill>
@@ -5282,7 +5527,7 @@
               <a:t>世界</a:t>
             </a:r>
             <a:r>
-              <a:rPr dirty="0" sz="3200" spc="-15">
+              <a:rPr sz="3200" spc="-15" dirty="0" smtClean="0">
                 <a:solidFill>
                   <a:srgbClr val="FFFFFF"/>
                 </a:solidFill>
@@ -5292,7 +5537,7 @@
               <a:t>坐</a:t>
             </a:r>
             <a:r>
-              <a:rPr dirty="0" sz="3200" spc="5">
+              <a:rPr sz="3200" spc="5" dirty="0" smtClean="0">
                 <a:solidFill>
                   <a:srgbClr val="FFFFFF"/>
                 </a:solidFill>
@@ -5302,7 +5547,17 @@
               <a:t>标系</a:t>
             </a:r>
             <a:r>
-              <a:rPr dirty="0" sz="3200" spc="-650">
+              <a:rPr lang="en-US" sz="3200" spc="5" dirty="0" smtClean="0">
+                <a:solidFill>
+                  <a:srgbClr val="FFFFFF"/>
+                </a:solidFill>
+                <a:latin typeface="Droid Sans Fallback"/>
+                <a:cs typeface="Droid Sans Fallback"/>
+              </a:rPr>
+              <a:t>  </a:t>
+            </a:r>
+            <a:r>
+              <a:rPr sz="3200" spc="-650" dirty="0" smtClean="0">
                 <a:solidFill>
                   <a:srgbClr val="FFFFFF"/>
                 </a:solidFill>
@@ -5311,64 +5566,53 @@
               </a:rPr>
               <a:t>和</a:t>
             </a:r>
-            <a:endParaRPr sz="3200">
+            <a:r>
+              <a:rPr sz="3200" dirty="0" smtClean="0">
+                <a:solidFill>
+                  <a:srgbClr val="FFFFFF"/>
+                </a:solidFill>
+                <a:latin typeface="Verdana"/>
+                <a:cs typeface="Verdana"/>
+              </a:rPr>
+              <a:t>GL</a:t>
+            </a:r>
+            <a:r>
+              <a:rPr sz="3200" dirty="0">
+                <a:solidFill>
+                  <a:srgbClr val="FFFFFF"/>
+                </a:solidFill>
+                <a:latin typeface="Droid Sans Fallback"/>
+                <a:cs typeface="Droid Sans Fallback"/>
+              </a:rPr>
+              <a:t>坐标系一致，原点在屏幕左下</a:t>
+            </a:r>
+            <a:r>
+              <a:rPr sz="3200" spc="-20" dirty="0">
+                <a:solidFill>
+                  <a:srgbClr val="FFFFFF"/>
+                </a:solidFill>
+                <a:latin typeface="Droid Sans Fallback"/>
+                <a:cs typeface="Droid Sans Fallback"/>
+              </a:rPr>
+              <a:t>角</a:t>
+            </a:r>
+            <a:r>
+              <a:rPr sz="3200" dirty="0">
+                <a:solidFill>
+                  <a:srgbClr val="FFFFFF"/>
+                </a:solidFill>
+                <a:latin typeface="Droid Sans Fallback"/>
+                <a:cs typeface="Droid Sans Fallback"/>
+              </a:rPr>
+              <a:t>。</a:t>
+            </a:r>
+            <a:endParaRPr sz="3200" dirty="0">
               <a:latin typeface="Droid Sans Fallback"/>
               <a:cs typeface="Droid Sans Fallback"/>
             </a:endParaRPr>
           </a:p>
           <a:p>
-            <a:pPr marL="355600">
-              <a:lnSpc>
-                <a:spcPts val="3770"/>
-              </a:lnSpc>
-            </a:pPr>
-            <a:r>
-              <a:rPr dirty="0" sz="3200">
-                <a:solidFill>
-                  <a:srgbClr val="FFFFFF"/>
-                </a:solidFill>
-                <a:latin typeface="Verdana"/>
-                <a:cs typeface="Verdana"/>
-              </a:rPr>
-              <a:t>GL</a:t>
-            </a:r>
-            <a:r>
-              <a:rPr dirty="0" sz="3200">
-                <a:solidFill>
-                  <a:srgbClr val="FFFFFF"/>
-                </a:solidFill>
-                <a:latin typeface="Droid Sans Fallback"/>
-                <a:cs typeface="Droid Sans Fallback"/>
-              </a:rPr>
-              <a:t>坐标系一致，原点在屏幕左下</a:t>
-            </a:r>
-            <a:r>
-              <a:rPr dirty="0" sz="3200" spc="-20">
-                <a:solidFill>
-                  <a:srgbClr val="FFFFFF"/>
-                </a:solidFill>
-                <a:latin typeface="Droid Sans Fallback"/>
-                <a:cs typeface="Droid Sans Fallback"/>
-              </a:rPr>
-              <a:t>角</a:t>
-            </a:r>
-            <a:r>
-              <a:rPr dirty="0" sz="3200">
-                <a:solidFill>
-                  <a:srgbClr val="FFFFFF"/>
-                </a:solidFill>
-                <a:latin typeface="Droid Sans Fallback"/>
-                <a:cs typeface="Droid Sans Fallback"/>
-              </a:rPr>
-              <a:t>。</a:t>
-            </a:r>
-            <a:endParaRPr sz="3200">
-              <a:latin typeface="Droid Sans Fallback"/>
-              <a:cs typeface="Droid Sans Fallback"/>
-            </a:endParaRPr>
-          </a:p>
-          <a:p>
-            <a:pPr algn="just" marL="355600" marR="5080" indent="-342900">
+            <a:pPr marL="355600" marR="5080" indent="-342900" algn="just">
               <a:lnSpc>
                 <a:spcPct val="98900"/>
               </a:lnSpc>
@@ -5377,37 +5621,27 @@
               </a:spcBef>
             </a:pPr>
             <a:r>
-              <a:rPr dirty="0" sz="2550" spc="445">
-                <a:solidFill>
-                  <a:srgbClr val="89D0D5"/>
-                </a:solidFill>
-                <a:latin typeface="Arial"/>
-                <a:cs typeface="Arial"/>
-              </a:rPr>
-              <a:t></a:t>
-            </a:r>
-            <a:r>
-              <a:rPr dirty="0" sz="2550" spc="-275">
-                <a:solidFill>
-                  <a:srgbClr val="89D0D5"/>
-                </a:solidFill>
-                <a:latin typeface="Arial"/>
-                <a:cs typeface="Arial"/>
-              </a:rPr>
-              <a:t> </a:t>
-            </a:r>
-            <a:r>
-              <a:rPr dirty="0" sz="3200">
+              <a:rPr lang="en-US" sz="3200" dirty="0" smtClean="0">
                 <a:solidFill>
                   <a:srgbClr val="FFFF00"/>
                 </a:solidFill>
                 <a:latin typeface="Droid Sans Fallback"/>
                 <a:cs typeface="Droid Sans Fallback"/>
               </a:rPr>
+              <a:t>		</a:t>
+            </a:r>
+            <a:r>
+              <a:rPr sz="3200" dirty="0" smtClean="0">
+                <a:solidFill>
+                  <a:srgbClr val="FFFF00"/>
+                </a:solidFill>
+                <a:latin typeface="Droid Sans Fallback"/>
+                <a:cs typeface="Droid Sans Fallback"/>
+              </a:rPr>
               <a:t>本地坐标</a:t>
             </a:r>
             <a:r>
-              <a:rPr dirty="0" sz="3200" spc="-10">
+              <a:rPr sz="3200" spc="-10" dirty="0" smtClean="0">
                 <a:solidFill>
                   <a:srgbClr val="FFFF00"/>
                 </a:solidFill>
@@ -5417,7 +5651,7 @@
               <a:t>系</a:t>
             </a:r>
             <a:r>
-              <a:rPr dirty="0" sz="3200">
+              <a:rPr sz="3200" dirty="0" smtClean="0">
                 <a:solidFill>
                   <a:srgbClr val="FFFFFF"/>
                 </a:solidFill>
@@ -5427,7 +5661,7 @@
               <a:t>也叫做物体</a:t>
             </a:r>
             <a:r>
-              <a:rPr dirty="0" sz="3200" spc="-15">
+              <a:rPr sz="3200" spc="-15" dirty="0" smtClean="0">
                 <a:solidFill>
                   <a:srgbClr val="FFFFFF"/>
                 </a:solidFill>
@@ -5437,7 +5671,7 @@
               <a:t>坐</a:t>
             </a:r>
             <a:r>
-              <a:rPr dirty="0" sz="3200">
+              <a:rPr sz="3200" dirty="0" smtClean="0">
                 <a:solidFill>
                   <a:srgbClr val="FFFFFF"/>
                 </a:solidFill>
@@ -5447,7 +5681,7 @@
               <a:t>标系</a:t>
             </a:r>
             <a:r>
-              <a:rPr dirty="0" sz="3200" spc="-15">
+              <a:rPr sz="3200" spc="-15" dirty="0">
                 <a:solidFill>
                   <a:srgbClr val="FFFFFF"/>
                 </a:solidFill>
@@ -5457,7 +5691,7 @@
               <a:t>，</a:t>
             </a:r>
             <a:r>
-              <a:rPr dirty="0" sz="3200">
+              <a:rPr sz="3200" dirty="0" smtClean="0">
                 <a:solidFill>
                   <a:srgbClr val="FFFFFF"/>
                 </a:solidFill>
@@ -5467,7 +5701,7 @@
               <a:t>是和</a:t>
             </a:r>
             <a:r>
-              <a:rPr dirty="0" sz="3200" spc="-15">
+              <a:rPr sz="3200" spc="-15" dirty="0" smtClean="0">
                 <a:solidFill>
                   <a:srgbClr val="FFFFFF"/>
                 </a:solidFill>
@@ -5477,7 +5711,7 @@
               <a:t>特</a:t>
             </a:r>
             <a:r>
-              <a:rPr dirty="0" sz="3200">
+              <a:rPr sz="3200" dirty="0" smtClean="0">
                 <a:solidFill>
                   <a:srgbClr val="FFFFFF"/>
                 </a:solidFill>
@@ -5487,7 +5721,7 @@
               <a:t>定物</a:t>
             </a:r>
             <a:r>
-              <a:rPr dirty="0" sz="3200" spc="-725">
+              <a:rPr sz="3200" spc="-725" dirty="0" smtClean="0">
                 <a:solidFill>
                   <a:srgbClr val="FFFFFF"/>
                 </a:solidFill>
@@ -5497,17 +5731,27 @@
               <a:t>体 </a:t>
             </a:r>
             <a:r>
-              <a:rPr dirty="0" sz="3200" spc="5">
-                <a:solidFill>
-                  <a:srgbClr val="FFFFFF"/>
-                </a:solidFill>
-                <a:latin typeface="Droid Sans Fallback"/>
-                <a:cs typeface="Droid Sans Fallback"/>
-              </a:rPr>
-              <a:t>相关联的坐标系。每个</a:t>
-            </a:r>
-            <a:r>
-              <a:rPr dirty="0" sz="3200" spc="-10">
+              <a:rPr sz="3200" spc="5" dirty="0" smtClean="0">
+                <a:solidFill>
+                  <a:srgbClr val="FFFFFF"/>
+                </a:solidFill>
+                <a:latin typeface="Droid Sans Fallback"/>
+                <a:cs typeface="Droid Sans Fallback"/>
+              </a:rPr>
+              <a:t>相关联的坐标系</a:t>
+            </a:r>
+            <a:r>
+              <a:rPr sz="3200" spc="5" dirty="0">
+                <a:solidFill>
+                  <a:srgbClr val="FFFFFF"/>
+                </a:solidFill>
+                <a:latin typeface="Droid Sans Fallback"/>
+                <a:cs typeface="Droid Sans Fallback"/>
+              </a:rPr>
+              <a:t>。每个</a:t>
+            </a:r>
+            <a:r>
+              <a:rPr sz="3200" spc="-10" dirty="0">
                 <a:solidFill>
                   <a:srgbClr val="FFFFFF"/>
                 </a:solidFill>
@@ -5517,7 +5761,7 @@
               <a:t>物</a:t>
             </a:r>
             <a:r>
-              <a:rPr dirty="0" sz="3200" spc="5">
+              <a:rPr sz="3200" spc="5" dirty="0">
                 <a:solidFill>
                   <a:srgbClr val="FFFFFF"/>
                 </a:solidFill>
@@ -5527,7 +5771,7 @@
               <a:t>体都</a:t>
             </a:r>
             <a:r>
-              <a:rPr dirty="0" sz="3200" spc="-10">
+              <a:rPr sz="3200" spc="-10" dirty="0">
                 <a:solidFill>
                   <a:srgbClr val="FFFFFF"/>
                 </a:solidFill>
@@ -5537,7 +5781,7 @@
               <a:t>有</a:t>
             </a:r>
             <a:r>
-              <a:rPr dirty="0" sz="3200" spc="5">
+              <a:rPr sz="3200" spc="5" dirty="0">
                 <a:solidFill>
                   <a:srgbClr val="FFFFFF"/>
                 </a:solidFill>
@@ -5547,7 +5791,7 @@
               <a:t>它们</a:t>
             </a:r>
             <a:r>
-              <a:rPr dirty="0" sz="3200" spc="-10">
+              <a:rPr sz="3200" spc="-10" dirty="0">
                 <a:solidFill>
                   <a:srgbClr val="FFFFFF"/>
                 </a:solidFill>
@@ -5557,7 +5801,7 @@
               <a:t>独</a:t>
             </a:r>
             <a:r>
-              <a:rPr dirty="0" sz="3200" spc="5">
+              <a:rPr sz="3200" spc="5" dirty="0">
                 <a:solidFill>
                   <a:srgbClr val="FFFFFF"/>
                 </a:solidFill>
@@ -5567,7 +5811,7 @@
               <a:t>立的坐 </a:t>
             </a:r>
             <a:r>
-              <a:rPr dirty="0" sz="3200">
+              <a:rPr sz="3200" dirty="0">
                 <a:solidFill>
                   <a:srgbClr val="FFFFFF"/>
                 </a:solidFill>
@@ -5577,7 +5821,7 @@
               <a:t>标系，当物体移动或改</a:t>
             </a:r>
             <a:r>
-              <a:rPr dirty="0" sz="3200" spc="-15">
+              <a:rPr sz="3200" spc="-15" dirty="0">
                 <a:solidFill>
                   <a:srgbClr val="FFFFFF"/>
                 </a:solidFill>
@@ -5587,7 +5831,7 @@
               <a:t>变</a:t>
             </a:r>
             <a:r>
-              <a:rPr dirty="0" sz="3200">
+              <a:rPr sz="3200" dirty="0">
                 <a:solidFill>
                   <a:srgbClr val="FFFFFF"/>
                 </a:solidFill>
@@ -5597,7 +5841,7 @@
               <a:t>方向</a:t>
             </a:r>
             <a:r>
-              <a:rPr dirty="0" sz="3200" spc="-15">
+              <a:rPr sz="3200" spc="-15" dirty="0">
                 <a:solidFill>
                   <a:srgbClr val="FFFFFF"/>
                 </a:solidFill>
@@ -5607,7 +5851,7 @@
               <a:t>时</a:t>
             </a:r>
             <a:r>
-              <a:rPr dirty="0" sz="3200">
+              <a:rPr sz="3200" dirty="0">
                 <a:solidFill>
                   <a:srgbClr val="FFFFFF"/>
                 </a:solidFill>
@@ -5617,7 +5861,7 @@
               <a:t>，和</a:t>
             </a:r>
             <a:r>
-              <a:rPr dirty="0" sz="3200" spc="-15">
+              <a:rPr sz="3200" spc="-15" dirty="0">
                 <a:solidFill>
                   <a:srgbClr val="FFFFFF"/>
                 </a:solidFill>
@@ -5627,7 +5871,7 @@
               <a:t>该</a:t>
             </a:r>
             <a:r>
-              <a:rPr dirty="0" sz="3200">
+              <a:rPr sz="3200" dirty="0">
                 <a:solidFill>
                   <a:srgbClr val="FFFFFF"/>
                 </a:solidFill>
@@ -5637,7 +5881,7 @@
               <a:t>物体关 联的坐标系将随之移动</a:t>
             </a:r>
             <a:r>
-              <a:rPr dirty="0" sz="3200" spc="-15">
+              <a:rPr sz="3200" spc="-15" dirty="0">
                 <a:solidFill>
                   <a:srgbClr val="FFFFFF"/>
                 </a:solidFill>
@@ -5647,7 +5891,7 @@
               <a:t>或</a:t>
             </a:r>
             <a:r>
-              <a:rPr dirty="0" sz="3200">
+              <a:rPr sz="3200" dirty="0">
                 <a:solidFill>
                   <a:srgbClr val="FFFFFF"/>
                 </a:solidFill>
@@ -5657,7 +5901,7 @@
               <a:t>改</a:t>
             </a:r>
             <a:r>
-              <a:rPr dirty="0" sz="3200" spc="-25">
+              <a:rPr sz="3200" spc="-25" dirty="0">
                 <a:solidFill>
                   <a:srgbClr val="FFFFFF"/>
                 </a:solidFill>
@@ -5667,7 +5911,7 @@
               <a:t>变</a:t>
             </a:r>
             <a:r>
-              <a:rPr dirty="0" sz="3200" spc="-15">
+              <a:rPr sz="3200" spc="-15" dirty="0">
                 <a:solidFill>
                   <a:srgbClr val="FFFFFF"/>
                 </a:solidFill>
@@ -5677,7 +5921,7 @@
               <a:t>方</a:t>
             </a:r>
             <a:r>
-              <a:rPr dirty="0" sz="3200">
+              <a:rPr sz="3200" dirty="0">
                 <a:solidFill>
                   <a:srgbClr val="FFFFFF"/>
                 </a:solidFill>
@@ -5686,7 +5930,7 @@
               </a:rPr>
               <a:t>向。</a:t>
             </a:r>
-            <a:endParaRPr sz="3200">
+            <a:endParaRPr sz="3200" dirty="0">
               <a:latin typeface="Droid Sans Fallback"/>
               <a:cs typeface="Droid Sans Fallback"/>
             </a:endParaRPr>
@@ -5733,10 +5977,12 @@
             <a:off x="724916" y="479805"/>
             <a:ext cx="7494270" cy="665480"/>
           </a:xfrm>
-          <a:prstGeom prst="rect"/>
+          <a:prstGeom prst="rect">
+            <a:avLst/>
+          </a:prstGeom>
         </p:spPr>
         <p:txBody>
-          <a:bodyPr wrap="square" lIns="0" tIns="12700" rIns="0" bIns="0" rtlCol="0" vert="horz">
+          <a:bodyPr vert="horz" wrap="square" lIns="0" tIns="12700" rIns="0" bIns="0" rtlCol="0">
             <a:spAutoFit/>
           </a:bodyPr>
           <a:lstStyle/>
@@ -5750,18 +5996,17 @@
               </a:spcBef>
             </a:pPr>
             <a:r>
-              <a:rPr dirty="0" sz="4200"/>
+              <a:rPr sz="4200" dirty="0"/>
               <a:t>点击控制大炮的方向，发</a:t>
             </a:r>
             <a:r>
-              <a:rPr dirty="0" sz="4200" spc="5"/>
+              <a:rPr sz="4200" spc="5" dirty="0"/>
               <a:t>射</a:t>
             </a:r>
             <a:r>
-              <a:rPr dirty="0" sz="4200"/>
+              <a:rPr sz="4200" dirty="0"/>
               <a:t>子弹</a:t>
             </a:r>
-            <a:endParaRPr sz="4200"/>
           </a:p>
         </p:txBody>
       </p:sp>
@@ -5781,7 +6026,7 @@
           </a:prstGeom>
         </p:spPr>
         <p:txBody>
-          <a:bodyPr wrap="square" lIns="0" tIns="42545" rIns="0" bIns="0" rtlCol="0" vert="horz">
+          <a:bodyPr vert="horz" wrap="square" lIns="0" tIns="42545" rIns="0" bIns="0" rtlCol="0">
             <a:spAutoFit/>
           </a:bodyPr>
           <a:lstStyle/>
@@ -5795,7 +6040,7 @@
               </a:spcBef>
             </a:pPr>
             <a:r>
-              <a:rPr dirty="0" sz="2550" spc="445">
+              <a:rPr sz="2550" spc="445" dirty="0">
                 <a:solidFill>
                   <a:srgbClr val="89D0D5"/>
                 </a:solidFill>
@@ -5805,7 +6050,7 @@
               <a:t></a:t>
             </a:r>
             <a:r>
-              <a:rPr dirty="0" sz="2550" spc="-275">
+              <a:rPr sz="2550" spc="-275" dirty="0">
                 <a:solidFill>
                   <a:srgbClr val="89D0D5"/>
                 </a:solidFill>
@@ -5815,7 +6060,7 @@
               <a:t> </a:t>
             </a:r>
             <a:r>
-              <a:rPr dirty="0" sz="3200">
+              <a:rPr sz="3200" dirty="0">
                 <a:solidFill>
                   <a:srgbClr val="FFFFFF"/>
                 </a:solidFill>
@@ -5825,7 +6070,7 @@
               <a:t>触摸点的世界坐标转换</a:t>
             </a:r>
             <a:r>
-              <a:rPr dirty="0" sz="3200" spc="-15">
+              <a:rPr sz="3200" spc="-15" dirty="0">
                 <a:solidFill>
                   <a:srgbClr val="FFFFFF"/>
                 </a:solidFill>
@@ -5835,7 +6080,7 @@
               <a:t>为</a:t>
             </a:r>
             <a:r>
-              <a:rPr dirty="0" sz="3200">
+              <a:rPr sz="3200" dirty="0">
                 <a:solidFill>
                   <a:srgbClr val="FFFFFF"/>
                 </a:solidFill>
@@ -5845,7 +6090,7 @@
               <a:t>精灵</a:t>
             </a:r>
             <a:r>
-              <a:rPr dirty="0" sz="3200" spc="-15">
+              <a:rPr sz="3200" spc="-15" dirty="0">
                 <a:solidFill>
                   <a:srgbClr val="FFFFFF"/>
                 </a:solidFill>
@@ -5855,7 +6100,7 @@
               <a:t>所</a:t>
             </a:r>
             <a:r>
-              <a:rPr dirty="0" sz="3200">
+              <a:rPr sz="3200" dirty="0">
                 <a:solidFill>
                   <a:srgbClr val="FFFFFF"/>
                 </a:solidFill>
@@ -5865,7 +6110,7 @@
               <a:t>在层</a:t>
             </a:r>
             <a:r>
-              <a:rPr dirty="0" sz="3200" spc="-15">
+              <a:rPr sz="3200" spc="-15" dirty="0">
                 <a:solidFill>
                   <a:srgbClr val="FFFFFF"/>
                 </a:solidFill>
@@ -5875,7 +6120,7 @@
               <a:t>的</a:t>
             </a:r>
             <a:r>
-              <a:rPr dirty="0" sz="3200">
+              <a:rPr sz="3200" dirty="0">
                 <a:solidFill>
                   <a:srgbClr val="FFFFFF"/>
                 </a:solidFill>
@@ -5885,7 +6130,7 @@
               <a:t>本地</a:t>
             </a:r>
             <a:r>
-              <a:rPr dirty="0" sz="3200" spc="-735">
+              <a:rPr sz="3200" spc="-735" dirty="0">
                 <a:solidFill>
                   <a:srgbClr val="FFFFFF"/>
                 </a:solidFill>
@@ -5895,7 +6140,7 @@
               <a:t>坐 </a:t>
             </a:r>
             <a:r>
-              <a:rPr dirty="0" sz="3200">
+              <a:rPr sz="3200" dirty="0">
                 <a:solidFill>
                   <a:srgbClr val="FFFFFF"/>
                 </a:solidFill>
@@ -5904,7 +6149,7 @@
               </a:rPr>
               <a:t>标</a:t>
             </a:r>
-            <a:endParaRPr sz="3200">
+            <a:endParaRPr sz="3200" dirty="0">
               <a:latin typeface="Droid Sans Fallback"/>
               <a:cs typeface="Droid Sans Fallback"/>
             </a:endParaRPr>
@@ -5919,7 +6164,7 @@
               </a:spcBef>
             </a:pPr>
             <a:r>
-              <a:rPr dirty="0" sz="2550" spc="445">
+              <a:rPr sz="2550" spc="445" dirty="0">
                 <a:solidFill>
                   <a:srgbClr val="89D0D5"/>
                 </a:solidFill>
@@ -5929,7 +6174,7 @@
               <a:t></a:t>
             </a:r>
             <a:r>
-              <a:rPr dirty="0" sz="2550" spc="-320">
+              <a:rPr sz="2550" spc="-320" dirty="0">
                 <a:solidFill>
                   <a:srgbClr val="89D0D5"/>
                 </a:solidFill>
@@ -5939,7 +6184,7 @@
               <a:t> </a:t>
             </a:r>
             <a:r>
-              <a:rPr dirty="0" sz="3200" spc="5">
+              <a:rPr sz="3200" spc="5" dirty="0">
                 <a:solidFill>
                   <a:srgbClr val="FFFFFF"/>
                 </a:solidFill>
@@ -5949,7 +6194,7 @@
               <a:t>计</a:t>
             </a:r>
             <a:r>
-              <a:rPr dirty="0" sz="3200">
+              <a:rPr sz="3200" dirty="0">
                 <a:solidFill>
                   <a:srgbClr val="FFFFFF"/>
                 </a:solidFill>
@@ -5959,7 +6204,7 @@
               <a:t>算精灵坐标与触摸点</a:t>
             </a:r>
             <a:r>
-              <a:rPr dirty="0" sz="3200" spc="-15">
+              <a:rPr sz="3200" spc="-15" dirty="0">
                 <a:solidFill>
                   <a:srgbClr val="FFFFFF"/>
                 </a:solidFill>
@@ -5969,7 +6214,7 @@
               <a:t>坐</a:t>
             </a:r>
             <a:r>
-              <a:rPr dirty="0" sz="3200">
+              <a:rPr sz="3200" dirty="0">
                 <a:solidFill>
                   <a:srgbClr val="FFFFFF"/>
                 </a:solidFill>
@@ -5979,7 +6224,7 @@
               <a:t>标的</a:t>
             </a:r>
             <a:r>
-              <a:rPr dirty="0" sz="3200" spc="-15">
+              <a:rPr sz="3200" spc="-15" dirty="0">
                 <a:solidFill>
                   <a:srgbClr val="FFFFFF"/>
                 </a:solidFill>
@@ -5989,7 +6234,7 @@
               <a:t>关</a:t>
             </a:r>
             <a:r>
-              <a:rPr dirty="0" sz="3200">
+              <a:rPr sz="3200" dirty="0">
                 <a:solidFill>
                   <a:srgbClr val="FFFFFF"/>
                 </a:solidFill>
@@ -5999,7 +6244,7 @@
               <a:t>系，</a:t>
             </a:r>
             <a:r>
-              <a:rPr dirty="0" sz="3200" spc="-15">
+              <a:rPr sz="3200" spc="-15" dirty="0">
                 <a:solidFill>
                   <a:srgbClr val="FFFFFF"/>
                 </a:solidFill>
@@ -6009,7 +6254,7 @@
               <a:t>做</a:t>
             </a:r>
             <a:r>
-              <a:rPr dirty="0" sz="3200">
+              <a:rPr sz="3200" dirty="0">
                 <a:solidFill>
                   <a:srgbClr val="FFFFFF"/>
                 </a:solidFill>
@@ -6019,7 +6264,7 @@
               <a:t>出相</a:t>
             </a:r>
             <a:r>
-              <a:rPr dirty="0" sz="3200" spc="-735">
+              <a:rPr sz="3200" spc="-735" dirty="0">
                 <a:solidFill>
                   <a:srgbClr val="FFFFFF"/>
                 </a:solidFill>
@@ -6029,7 +6274,7 @@
               <a:t>应 </a:t>
             </a:r>
             <a:r>
-              <a:rPr dirty="0" sz="3200">
+              <a:rPr sz="3200" dirty="0">
                 <a:solidFill>
                   <a:srgbClr val="FFFFFF"/>
                 </a:solidFill>
@@ -6038,7 +6283,7 @@
               </a:rPr>
               <a:t>的反应</a:t>
             </a:r>
-            <a:endParaRPr sz="3200">
+            <a:endParaRPr sz="3200" dirty="0">
               <a:latin typeface="Droid Sans Fallback"/>
               <a:cs typeface="Droid Sans Fallback"/>
             </a:endParaRPr>
@@ -6085,10 +6330,12 @@
             <a:off x="724916" y="479805"/>
             <a:ext cx="7493000" cy="665480"/>
           </a:xfrm>
-          <a:prstGeom prst="rect"/>
+          <a:prstGeom prst="rect">
+            <a:avLst/>
+          </a:prstGeom>
         </p:spPr>
         <p:txBody>
-          <a:bodyPr wrap="square" lIns="0" tIns="12700" rIns="0" bIns="0" rtlCol="0" vert="horz">
+          <a:bodyPr vert="horz" wrap="square" lIns="0" tIns="12700" rIns="0" bIns="0" rtlCol="0">
             <a:spAutoFit/>
           </a:bodyPr>
           <a:lstStyle/>
@@ -6102,7 +6349,7 @@
               </a:spcBef>
             </a:pPr>
             <a:r>
-              <a:rPr dirty="0" sz="4200"/>
+              <a:rPr sz="4200" dirty="0"/>
               <a:t>本地坐标与世界坐标的相互转换</a:t>
             </a:r>
             <a:endParaRPr sz="4200"/>
@@ -6125,7 +6372,7 @@
           </a:prstGeom>
         </p:spPr>
         <p:txBody>
-          <a:bodyPr wrap="square" lIns="0" tIns="12700" rIns="0" bIns="0" rtlCol="0" vert="horz">
+          <a:bodyPr vert="horz" wrap="square" lIns="0" tIns="12700" rIns="0" bIns="0" rtlCol="0">
             <a:spAutoFit/>
           </a:bodyPr>
           <a:lstStyle/>
@@ -6139,7 +6386,7 @@
               </a:spcBef>
             </a:pPr>
             <a:r>
-              <a:rPr dirty="0" sz="2400" spc="-15">
+              <a:rPr sz="2400" spc="-15" dirty="0">
                 <a:solidFill>
                   <a:srgbClr val="FFFFFF"/>
                 </a:solidFill>
@@ -6149,7 +6396,7 @@
               <a:t>1.CCPoint </a:t>
             </a:r>
             <a:r>
-              <a:rPr dirty="0" sz="2400">
+              <a:rPr sz="2400" dirty="0">
                 <a:solidFill>
                   <a:srgbClr val="FFFFFF"/>
                 </a:solidFill>
@@ -6159,7 +6406,7 @@
               <a:t>convertToNodeSpace(const </a:t>
             </a:r>
             <a:r>
-              <a:rPr dirty="0" sz="2400" spc="45">
+              <a:rPr sz="2400" spc="45" dirty="0">
                 <a:solidFill>
                   <a:srgbClr val="FFFFFF"/>
                 </a:solidFill>
@@ -6169,7 +6416,7 @@
               <a:t>CCPoint&amp; </a:t>
             </a:r>
             <a:r>
-              <a:rPr dirty="0" sz="2400" spc="-100">
+              <a:rPr sz="2400" spc="-100" dirty="0">
                 <a:solidFill>
                   <a:srgbClr val="FFFFFF"/>
                 </a:solidFill>
@@ -6179,7 +6426,7 @@
               <a:t>worldPoint);  </a:t>
             </a:r>
             <a:r>
-              <a:rPr dirty="0" sz="2400" spc="-15">
+              <a:rPr sz="2400" spc="-15" dirty="0">
                 <a:solidFill>
                   <a:srgbClr val="FFFFFF"/>
                 </a:solidFill>
@@ -6189,7 +6436,7 @@
               <a:t>2.CCPoint </a:t>
             </a:r>
             <a:r>
-              <a:rPr dirty="0" sz="2400" spc="-30">
+              <a:rPr sz="2400" spc="-30" dirty="0">
                 <a:solidFill>
                   <a:srgbClr val="FFFFFF"/>
                 </a:solidFill>
@@ -6199,7 +6446,7 @@
               <a:t>convertToWorldSpace(const </a:t>
             </a:r>
             <a:r>
-              <a:rPr dirty="0" sz="2400" spc="45">
+              <a:rPr sz="2400" spc="45" dirty="0">
                 <a:solidFill>
                   <a:srgbClr val="FFFFFF"/>
                 </a:solidFill>
@@ -6209,7 +6456,7 @@
               <a:t>CCPoint&amp; </a:t>
             </a:r>
             <a:r>
-              <a:rPr dirty="0" sz="2400" spc="-60">
+              <a:rPr sz="2400" spc="-60" dirty="0">
                 <a:solidFill>
                   <a:srgbClr val="FFFFFF"/>
                 </a:solidFill>
@@ -6219,7 +6466,7 @@
               <a:t>nodePoint);  </a:t>
             </a:r>
             <a:r>
-              <a:rPr dirty="0" sz="2400" spc="-20">
+              <a:rPr sz="2400" spc="-20" dirty="0">
                 <a:solidFill>
                   <a:srgbClr val="FFFFFF"/>
                 </a:solidFill>
@@ -6229,7 +6476,7 @@
               <a:t>3.CCPoint </a:t>
             </a:r>
             <a:r>
-              <a:rPr dirty="0" sz="2400" spc="-5">
+              <a:rPr sz="2400" spc="-5" dirty="0">
                 <a:solidFill>
                   <a:srgbClr val="FFFFFF"/>
                 </a:solidFill>
@@ -6239,7 +6486,7 @@
               <a:t>convertToNodeSpaceAR(const </a:t>
             </a:r>
             <a:r>
-              <a:rPr dirty="0" sz="2400" spc="40">
+              <a:rPr sz="2400" spc="40" dirty="0">
                 <a:solidFill>
                   <a:srgbClr val="FFFFFF"/>
                 </a:solidFill>
@@ -6249,7 +6496,7 @@
               <a:t>CCPoint&amp;</a:t>
             </a:r>
             <a:r>
-              <a:rPr dirty="0" sz="2400" spc="-480">
+              <a:rPr sz="2400" spc="-480" dirty="0">
                 <a:solidFill>
                   <a:srgbClr val="FFFFFF"/>
                 </a:solidFill>
@@ -6259,7 +6506,7 @@
               <a:t> </a:t>
             </a:r>
             <a:r>
-              <a:rPr dirty="0" sz="2400" spc="-95">
+              <a:rPr sz="2400" spc="-95" dirty="0">
                 <a:solidFill>
                   <a:srgbClr val="FFFFFF"/>
                 </a:solidFill>
@@ -6269,7 +6516,7 @@
               <a:t>worldPoint);  </a:t>
             </a:r>
             <a:r>
-              <a:rPr dirty="0" sz="2400" spc="-20">
+              <a:rPr sz="2400" spc="-20" dirty="0">
                 <a:solidFill>
                   <a:srgbClr val="FFFFFF"/>
                 </a:solidFill>
@@ -6279,7 +6526,7 @@
               <a:t>4.CCPoint </a:t>
             </a:r>
             <a:r>
-              <a:rPr dirty="0" sz="2400" spc="-30">
+              <a:rPr sz="2400" spc="-30" dirty="0">
                 <a:solidFill>
                   <a:srgbClr val="FFFFFF"/>
                 </a:solidFill>
@@ -6289,7 +6536,7 @@
               <a:t>convertToWorldSpaceAR(const </a:t>
             </a:r>
             <a:r>
-              <a:rPr dirty="0" sz="2400" spc="40">
+              <a:rPr sz="2400" spc="40" dirty="0">
                 <a:solidFill>
                   <a:srgbClr val="FFFFFF"/>
                 </a:solidFill>
@@ -6299,7 +6546,7 @@
               <a:t>CCPoint&amp;</a:t>
             </a:r>
             <a:r>
-              <a:rPr dirty="0" sz="2400" spc="-445">
+              <a:rPr sz="2400" spc="-445" dirty="0">
                 <a:solidFill>
                   <a:srgbClr val="FFFFFF"/>
                 </a:solidFill>
@@ -6309,7 +6556,7 @@
               <a:t> </a:t>
             </a:r>
             <a:r>
-              <a:rPr dirty="0" sz="2400" spc="-55">
+              <a:rPr sz="2400" spc="-55" dirty="0">
                 <a:solidFill>
                   <a:srgbClr val="FFFFFF"/>
                 </a:solidFill>
@@ -6318,7 +6565,7 @@
               </a:rPr>
               <a:t>nodePoint);</a:t>
             </a:r>
-            <a:endParaRPr sz="2400">
+            <a:endParaRPr sz="2400" dirty="0">
               <a:latin typeface="Verdana"/>
               <a:cs typeface="Verdana"/>
             </a:endParaRPr>
@@ -6332,7 +6579,7 @@
                 <a:spcPts val="35"/>
               </a:spcBef>
             </a:pPr>
-            <a:endParaRPr sz="2950">
+            <a:endParaRPr sz="2950" dirty="0">
               <a:latin typeface="Times New Roman"/>
               <a:cs typeface="Times New Roman"/>
             </a:endParaRPr>
@@ -6344,7 +6591,7 @@
               </a:lnSpc>
             </a:pPr>
             <a:r>
-              <a:rPr dirty="0" sz="2000">
+              <a:rPr sz="2000" dirty="0">
                 <a:solidFill>
                   <a:srgbClr val="FFFFFF"/>
                 </a:solidFill>
@@ -6354,7 +6601,7 @@
               <a:t>参 </a:t>
             </a:r>
             <a:r>
-              <a:rPr dirty="0" sz="2000" spc="-5">
+              <a:rPr sz="2000" spc="-5" dirty="0">
                 <a:solidFill>
                   <a:srgbClr val="FFFFFF"/>
                 </a:solidFill>
@@ -6364,7 +6611,7 @@
               <a:t>考 </a:t>
             </a:r>
             <a:r>
-              <a:rPr dirty="0" sz="2000">
+              <a:rPr sz="2000" dirty="0">
                 <a:solidFill>
                   <a:srgbClr val="FFFFFF"/>
                 </a:solidFill>
@@ -6374,7 +6621,7 @@
               <a:t>链 接 ：  </a:t>
             </a:r>
             <a:r>
-              <a:rPr dirty="0" u="sng" sz="2000" spc="-95">
+              <a:rPr sz="2000" u="sng" spc="-95" dirty="0">
                 <a:solidFill>
                   <a:srgbClr val="57C1B9"/>
                 </a:solidFill>
@@ -6390,7 +6637,7 @@
               <a:t>http://blog.163.com/zjf_to/blog/static/201429061201292193855498/ </a:t>
             </a:r>
             <a:r>
-              <a:rPr dirty="0" sz="2000" spc="-95">
+              <a:rPr sz="2000" spc="-95" dirty="0">
                 <a:solidFill>
                   <a:srgbClr val="57C1B9"/>
                 </a:solidFill>
@@ -6400,7 +6647,7 @@
               <a:t> </a:t>
             </a:r>
             <a:r>
-              <a:rPr dirty="0" u="sng" sz="2000" spc="-60">
+              <a:rPr sz="2000" u="sng" spc="-60" dirty="0">
                 <a:solidFill>
                   <a:srgbClr val="57C1B9"/>
                 </a:solidFill>
@@ -6415,7 +6662,7 @@
               </a:rPr>
               <a:t>http://www.cnblogs.com/lyout/p/3292702.html</a:t>
             </a:r>
-            <a:endParaRPr sz="2000">
+            <a:endParaRPr sz="2000" dirty="0">
               <a:latin typeface="Verdana"/>
               <a:cs typeface="Verdana"/>
             </a:endParaRPr>
@@ -6462,10 +6709,12 @@
             <a:off x="724916" y="479805"/>
             <a:ext cx="1092200" cy="665480"/>
           </a:xfrm>
-          <a:prstGeom prst="rect"/>
+          <a:prstGeom prst="rect">
+            <a:avLst/>
+          </a:prstGeom>
         </p:spPr>
         <p:txBody>
-          <a:bodyPr wrap="square" lIns="0" tIns="12700" rIns="0" bIns="0" rtlCol="0" vert="horz">
+          <a:bodyPr vert="horz" wrap="square" lIns="0" tIns="12700" rIns="0" bIns="0" rtlCol="0">
             <a:spAutoFit/>
           </a:bodyPr>
           <a:lstStyle/>
@@ -6479,7 +6728,7 @@
               </a:spcBef>
             </a:pPr>
             <a:r>
-              <a:rPr dirty="0" sz="4200"/>
+              <a:rPr sz="4200" dirty="0"/>
               <a:t>作业</a:t>
             </a:r>
             <a:endParaRPr sz="4200"/>
@@ -6502,7 +6751,7 @@
           </a:prstGeom>
         </p:spPr>
         <p:txBody>
-          <a:bodyPr wrap="square" lIns="0" tIns="108585" rIns="0" bIns="0" rtlCol="0" vert="horz">
+          <a:bodyPr vert="horz" wrap="square" lIns="0" tIns="108585" rIns="0" bIns="0" rtlCol="0">
             <a:spAutoFit/>
           </a:bodyPr>
           <a:lstStyle/>
@@ -6519,7 +6768,7 @@
               </a:tabLst>
             </a:pPr>
             <a:r>
-              <a:rPr dirty="0" sz="1600" spc="270">
+              <a:rPr sz="1600" spc="270" dirty="0">
                 <a:solidFill>
                   <a:srgbClr val="89D0D5"/>
                 </a:solidFill>
@@ -6529,7 +6778,7 @@
               <a:t>	</a:t>
             </a:r>
             <a:r>
-              <a:rPr dirty="0" sz="2000">
+              <a:rPr sz="2000" dirty="0">
                 <a:solidFill>
                   <a:srgbClr val="FFFFFF"/>
                 </a:solidFill>
@@ -6539,7 +6788,7 @@
               <a:t>新版黄金矿工游戏，共</a:t>
             </a:r>
             <a:r>
-              <a:rPr dirty="0" sz="2000" spc="-15">
+              <a:rPr sz="2000" spc="-15" dirty="0">
                 <a:solidFill>
                   <a:srgbClr val="FFFFFF"/>
                 </a:solidFill>
@@ -6549,7 +6798,7 @@
               <a:t>有</a:t>
             </a:r>
             <a:r>
-              <a:rPr dirty="0" sz="2000">
+              <a:rPr sz="2000" dirty="0">
                 <a:solidFill>
                   <a:srgbClr val="FFFFFF"/>
                 </a:solidFill>
@@ -6559,7 +6808,7 @@
               <a:t>两个</a:t>
             </a:r>
             <a:r>
-              <a:rPr dirty="0" sz="2000" spc="-15">
+              <a:rPr sz="2000" spc="-15" dirty="0">
                 <a:solidFill>
                   <a:srgbClr val="FFFFFF"/>
                 </a:solidFill>
@@ -6569,7 +6818,7 @@
               <a:t>界</a:t>
             </a:r>
             <a:r>
-              <a:rPr dirty="0" sz="2000">
+              <a:rPr sz="2000" dirty="0">
                 <a:solidFill>
                   <a:srgbClr val="FFFFFF"/>
                 </a:solidFill>
@@ -6579,7 +6828,7 @@
               <a:t>面：</a:t>
             </a:r>
             <a:r>
-              <a:rPr dirty="0" sz="2000" spc="-10">
+              <a:rPr sz="2000" spc="-10" dirty="0">
                 <a:solidFill>
                   <a:srgbClr val="FFFF00"/>
                 </a:solidFill>
@@ -6589,7 +6838,7 @@
               <a:t>主</a:t>
             </a:r>
             <a:r>
-              <a:rPr dirty="0" sz="2000">
+              <a:rPr sz="2000" dirty="0">
                 <a:solidFill>
                   <a:srgbClr val="FFFF00"/>
                 </a:solidFill>
@@ -6599,7 +6848,7 @@
               <a:t>界面</a:t>
             </a:r>
             <a:r>
-              <a:rPr dirty="0" sz="2000" spc="-15">
+              <a:rPr sz="2000" spc="-15" dirty="0">
                 <a:solidFill>
                   <a:srgbClr val="FFFFFF"/>
                 </a:solidFill>
@@ -6609,7 +6858,7 @@
               <a:t>与</a:t>
             </a:r>
             <a:r>
-              <a:rPr dirty="0" sz="2000">
+              <a:rPr sz="2000" dirty="0">
                 <a:solidFill>
                   <a:srgbClr val="FFFF00"/>
                 </a:solidFill>
@@ -6619,7 +6868,7 @@
               <a:t>游戏</a:t>
             </a:r>
             <a:r>
-              <a:rPr dirty="0" sz="2000" spc="-15">
+              <a:rPr sz="2000" spc="-15" dirty="0">
                 <a:solidFill>
                   <a:srgbClr val="FFFF00"/>
                 </a:solidFill>
@@ -6629,7 +6878,7 @@
               <a:t>界</a:t>
             </a:r>
             <a:r>
-              <a:rPr dirty="0" sz="2000">
+              <a:rPr sz="2000" dirty="0">
                 <a:solidFill>
                   <a:srgbClr val="FFFF00"/>
                 </a:solidFill>
@@ -6638,7 +6887,7 @@
               </a:rPr>
               <a:t>面</a:t>
             </a:r>
-            <a:endParaRPr sz="2000">
+            <a:endParaRPr sz="2000" dirty="0">
               <a:latin typeface="Droid Sans Fallback"/>
               <a:cs typeface="Droid Sans Fallback"/>
             </a:endParaRPr>
@@ -6656,7 +6905,7 @@
               </a:tabLst>
             </a:pPr>
             <a:r>
-              <a:rPr dirty="0" sz="1600" spc="270">
+              <a:rPr sz="1600" spc="270" dirty="0">
                 <a:solidFill>
                   <a:srgbClr val="89D0D5"/>
                 </a:solidFill>
@@ -6666,7 +6915,7 @@
               <a:t>	</a:t>
             </a:r>
             <a:r>
-              <a:rPr dirty="0" sz="2000">
+              <a:rPr sz="2000" dirty="0">
                 <a:solidFill>
                   <a:srgbClr val="FFFFFF"/>
                 </a:solidFill>
@@ -6676,7 +6925,7 @@
               <a:t>主界面：在</a:t>
             </a:r>
             <a:r>
-              <a:rPr dirty="0" sz="2000" spc="60">
+              <a:rPr sz="2000" spc="60" dirty="0">
                 <a:solidFill>
                   <a:srgbClr val="FFFFFF"/>
                 </a:solidFill>
@@ -6686,7 +6935,7 @@
               <a:t>demo</a:t>
             </a:r>
             <a:r>
-              <a:rPr dirty="0" sz="2000">
+              <a:rPr sz="2000" dirty="0">
                 <a:solidFill>
                   <a:srgbClr val="FFFFFF"/>
                 </a:solidFill>
@@ -6696,7 +6945,7 @@
               <a:t>代码基础</a:t>
             </a:r>
             <a:r>
-              <a:rPr dirty="0" sz="2000" spc="-15">
+              <a:rPr sz="2000" spc="-15" dirty="0">
                 <a:solidFill>
                   <a:srgbClr val="FFFFFF"/>
                 </a:solidFill>
@@ -6706,7 +6955,7 @@
               <a:t>上</a:t>
             </a:r>
             <a:r>
-              <a:rPr dirty="0" sz="2000">
+              <a:rPr sz="2000" dirty="0">
                 <a:solidFill>
                   <a:srgbClr val="FFFFFF"/>
                 </a:solidFill>
@@ -6716,7 +6965,7 @@
               <a:t>完善</a:t>
             </a:r>
             <a:r>
-              <a:rPr dirty="0" sz="2000" spc="-15">
+              <a:rPr sz="2000" spc="-15" dirty="0">
                 <a:solidFill>
                   <a:srgbClr val="FFFFFF"/>
                 </a:solidFill>
@@ -6726,7 +6975,7 @@
               <a:t>场</a:t>
             </a:r>
             <a:r>
-              <a:rPr dirty="0" sz="2000">
+              <a:rPr sz="2000" dirty="0">
                 <a:solidFill>
                   <a:srgbClr val="FFFFFF"/>
                 </a:solidFill>
@@ -6736,7 +6985,7 @@
               <a:t>景，</a:t>
             </a:r>
             <a:r>
-              <a:rPr dirty="0" sz="2000" spc="-15">
+              <a:rPr sz="2000" spc="-15" dirty="0">
                 <a:solidFill>
                   <a:srgbClr val="FFFFFF"/>
                 </a:solidFill>
@@ -6746,7 +6995,7 @@
               <a:t>添</a:t>
             </a:r>
             <a:r>
-              <a:rPr dirty="0" sz="2000">
+              <a:rPr sz="2000" dirty="0">
                 <a:solidFill>
                   <a:srgbClr val="FFFFFF"/>
                 </a:solidFill>
@@ -6756,7 +7005,7 @@
               <a:t>加开</a:t>
             </a:r>
             <a:r>
-              <a:rPr dirty="0" sz="2000" spc="-15">
+              <a:rPr sz="2000" spc="-15" dirty="0">
                 <a:solidFill>
                   <a:srgbClr val="FFFFFF"/>
                 </a:solidFill>
@@ -6766,7 +7015,7 @@
               <a:t>始</a:t>
             </a:r>
             <a:r>
-              <a:rPr dirty="0" sz="2000">
+              <a:rPr sz="2000" dirty="0">
                 <a:solidFill>
                   <a:srgbClr val="FFFFFF"/>
                 </a:solidFill>
@@ -6776,7 +7025,7 @@
               <a:t>按钮</a:t>
             </a:r>
             <a:r>
-              <a:rPr dirty="0" sz="2000" spc="-30">
+              <a:rPr sz="2000" spc="-30" dirty="0">
                 <a:solidFill>
                   <a:srgbClr val="FFFFFF"/>
                 </a:solidFill>
@@ -6786,7 +7035,7 @@
               <a:t>（</a:t>
             </a:r>
             <a:r>
-              <a:rPr dirty="0" sz="2000" spc="-30">
+              <a:rPr sz="2000" spc="-30" dirty="0">
                 <a:solidFill>
                   <a:srgbClr val="FFFFFF"/>
                 </a:solidFill>
@@ -6796,7 +7045,7 @@
               <a:t>MenuItem</a:t>
             </a:r>
             <a:r>
-              <a:rPr dirty="0" sz="2000" spc="-30">
+              <a:rPr sz="2000" spc="-30" dirty="0">
                 <a:solidFill>
                   <a:srgbClr val="FFFFFF"/>
                 </a:solidFill>
@@ -6806,7 +7055,7 @@
               <a:t>），</a:t>
             </a:r>
             <a:r>
-              <a:rPr dirty="0" sz="2000">
+              <a:rPr sz="2000" dirty="0">
                 <a:solidFill>
                   <a:srgbClr val="FFFFFF"/>
                 </a:solidFill>
@@ -6815,7 +7064,7 @@
               </a:rPr>
               <a:t>点</a:t>
             </a:r>
-            <a:endParaRPr sz="2000">
+            <a:endParaRPr sz="2000" dirty="0">
               <a:latin typeface="Droid Sans Fallback"/>
               <a:cs typeface="Droid Sans Fallback"/>
             </a:endParaRPr>
@@ -6827,7 +7076,7 @@
               </a:lnSpc>
             </a:pPr>
             <a:r>
-              <a:rPr dirty="0" sz="2000">
+              <a:rPr sz="2000" dirty="0">
                 <a:solidFill>
                   <a:srgbClr val="FFFFFF"/>
                 </a:solidFill>
@@ -6836,7 +7085,7 @@
               </a:rPr>
               <a:t>击进入游戏界面。</a:t>
             </a:r>
-            <a:endParaRPr sz="2000">
+            <a:endParaRPr sz="2000" dirty="0">
               <a:latin typeface="Droid Sans Fallback"/>
               <a:cs typeface="Droid Sans Fallback"/>
             </a:endParaRPr>
@@ -6854,7 +7103,7 @@
               </a:tabLst>
             </a:pPr>
             <a:r>
-              <a:rPr dirty="0" sz="1600" spc="270">
+              <a:rPr sz="1600" spc="270" dirty="0">
                 <a:solidFill>
                   <a:srgbClr val="89D0D5"/>
                 </a:solidFill>
@@ -6864,7 +7113,7 @@
               <a:t>	</a:t>
             </a:r>
             <a:r>
-              <a:rPr dirty="0" sz="2000">
+              <a:rPr sz="2000" dirty="0">
                 <a:solidFill>
                   <a:srgbClr val="FFFFFF"/>
                 </a:solidFill>
@@ -6874,7 +7123,7 @@
               <a:t>游戏界面：两个</a:t>
             </a:r>
             <a:r>
-              <a:rPr dirty="0" sz="2000" spc="-55">
+              <a:rPr sz="2000" spc="-55" dirty="0">
                 <a:solidFill>
                   <a:srgbClr val="FFFFFF"/>
                 </a:solidFill>
@@ -6884,7 +7133,7 @@
               <a:t>Layer</a:t>
             </a:r>
             <a:r>
-              <a:rPr dirty="0" sz="2000" spc="-55">
+              <a:rPr sz="2000" spc="-55" dirty="0">
                 <a:solidFill>
                   <a:srgbClr val="FFFFFF"/>
                 </a:solidFill>
@@ -6894,7 +7143,7 @@
               <a:t>，</a:t>
             </a:r>
             <a:r>
-              <a:rPr dirty="0" sz="2000" spc="-55">
+              <a:rPr sz="2000" spc="-55" dirty="0">
                 <a:solidFill>
                   <a:srgbClr val="FFFFFF"/>
                 </a:solidFill>
@@ -6904,7 +7153,7 @@
               <a:t>StoneLayer</a:t>
             </a:r>
             <a:r>
-              <a:rPr dirty="0" sz="2000" spc="-10">
+              <a:rPr sz="2000" spc="-10" dirty="0">
                 <a:solidFill>
                   <a:srgbClr val="FFFFFF"/>
                 </a:solidFill>
@@ -6914,7 +7163,7 @@
               <a:t>锚</a:t>
             </a:r>
             <a:r>
-              <a:rPr dirty="0" sz="2000">
+              <a:rPr sz="2000" dirty="0">
                 <a:solidFill>
                   <a:srgbClr val="FFFFFF"/>
                 </a:solidFill>
@@ -6924,7 +7173,7 @@
               <a:t>点位于左下</a:t>
             </a:r>
             <a:r>
-              <a:rPr dirty="0" sz="2000" spc="-10">
+              <a:rPr sz="2000" spc="-10" dirty="0">
                 <a:solidFill>
                   <a:srgbClr val="FFFFFF"/>
                 </a:solidFill>
@@ -6934,7 +7183,7 @@
               <a:t>角</a:t>
             </a:r>
             <a:r>
-              <a:rPr dirty="0" sz="2000">
+              <a:rPr sz="2000" dirty="0">
                 <a:solidFill>
                   <a:srgbClr val="FFFFFF"/>
                 </a:solidFill>
@@ -6944,7 +7193,7 @@
               <a:t>，坐标设</a:t>
             </a:r>
             <a:r>
-              <a:rPr dirty="0" sz="2000" spc="-25">
+              <a:rPr sz="2000" spc="-25" dirty="0">
                 <a:solidFill>
                   <a:srgbClr val="FFFFFF"/>
                 </a:solidFill>
@@ -6954,7 +7203,7 @@
               <a:t>为</a:t>
             </a:r>
             <a:r>
-              <a:rPr dirty="0" sz="2000" spc="-155">
+              <a:rPr sz="2000" spc="-155" dirty="0">
                 <a:solidFill>
                   <a:srgbClr val="FFFFFF"/>
                 </a:solidFill>
@@ -6964,7 +7213,7 @@
               <a:t>(0,0)</a:t>
             </a:r>
             <a:r>
-              <a:rPr dirty="0" sz="2000" spc="-155">
+              <a:rPr sz="2000" spc="-155" dirty="0">
                 <a:solidFill>
                   <a:srgbClr val="FFFFFF"/>
                 </a:solidFill>
@@ -6974,7 +7223,7 @@
               <a:t>，</a:t>
             </a:r>
             <a:r>
-              <a:rPr dirty="0" sz="2000">
+              <a:rPr sz="2000" dirty="0">
                 <a:solidFill>
                   <a:srgbClr val="FFFFFF"/>
                 </a:solidFill>
@@ -6984,7 +7233,7 @@
               <a:t>其上 有一石头精灵，初始坐</a:t>
             </a:r>
             <a:r>
-              <a:rPr dirty="0" sz="2000" spc="-15">
+              <a:rPr sz="2000" spc="-15" dirty="0">
                 <a:solidFill>
                   <a:srgbClr val="FFFFFF"/>
                 </a:solidFill>
@@ -6994,7 +7243,7 @@
               <a:t>标</a:t>
             </a:r>
             <a:r>
-              <a:rPr dirty="0" sz="2000">
+              <a:rPr sz="2000" dirty="0">
                 <a:solidFill>
                   <a:srgbClr val="FFFFFF"/>
                 </a:solidFill>
@@ -7004,7 +7253,7 @@
               <a:t>为</a:t>
             </a:r>
             <a:r>
-              <a:rPr dirty="0" sz="2000" spc="-65">
+              <a:rPr sz="2000" spc="-65" dirty="0">
                 <a:solidFill>
                   <a:srgbClr val="FFFFFF"/>
                 </a:solidFill>
@@ -7014,7 +7263,7 @@
               <a:t>（</a:t>
             </a:r>
             <a:r>
-              <a:rPr dirty="0" sz="2000" spc="-65">
+              <a:rPr sz="2000" spc="-65" dirty="0">
                 <a:solidFill>
                   <a:srgbClr val="FFFFFF"/>
                 </a:solidFill>
@@ -7024,7 +7273,7 @@
               <a:t>560</a:t>
             </a:r>
             <a:r>
-              <a:rPr dirty="0" sz="2000" spc="-65">
+              <a:rPr sz="2000" spc="-65" dirty="0">
                 <a:solidFill>
                   <a:srgbClr val="FFFFFF"/>
                 </a:solidFill>
@@ -7034,7 +7283,7 @@
               <a:t>，</a:t>
             </a:r>
             <a:r>
-              <a:rPr dirty="0" sz="2000" spc="-65">
+              <a:rPr sz="2000" spc="-65" dirty="0">
                 <a:solidFill>
                   <a:srgbClr val="FFFFFF"/>
                 </a:solidFill>
@@ -7044,7 +7293,7 @@
               <a:t>480</a:t>
             </a:r>
             <a:r>
-              <a:rPr dirty="0" sz="2000" spc="-65">
+              <a:rPr sz="2000" spc="-65" dirty="0">
                 <a:solidFill>
                   <a:srgbClr val="FFFFFF"/>
                 </a:solidFill>
@@ -7054,7 +7303,7 @@
               <a:t>）；</a:t>
             </a:r>
             <a:r>
-              <a:rPr dirty="0" sz="2000" spc="-65">
+              <a:rPr sz="2000" spc="-65" dirty="0">
                 <a:solidFill>
                   <a:srgbClr val="FFFFFF"/>
                 </a:solidFill>
@@ -7064,7 +7313,7 @@
               <a:t>MouseLayer</a:t>
             </a:r>
             <a:r>
-              <a:rPr dirty="0" sz="2000">
+              <a:rPr sz="2000" dirty="0">
                 <a:solidFill>
                   <a:srgbClr val="FFFFFF"/>
                 </a:solidFill>
@@ -7074,7 +7323,7 @@
               <a:t>锚</a:t>
             </a:r>
             <a:r>
-              <a:rPr dirty="0" sz="2000" spc="-10">
+              <a:rPr sz="2000" spc="-10" dirty="0">
                 <a:solidFill>
                   <a:srgbClr val="FFFFFF"/>
                 </a:solidFill>
@@ -7084,7 +7333,7 @@
               <a:t>点</a:t>
             </a:r>
             <a:r>
-              <a:rPr dirty="0" sz="2000">
+              <a:rPr sz="2000" dirty="0">
                 <a:solidFill>
                   <a:srgbClr val="FFFFFF"/>
                 </a:solidFill>
@@ -7094,7 +7343,7 @@
               <a:t>位于左下角，  坐标设为</a:t>
             </a:r>
             <a:r>
-              <a:rPr dirty="0" sz="2000" spc="-195">
+              <a:rPr sz="2000" spc="-195" dirty="0">
                 <a:solidFill>
                   <a:srgbClr val="FFFFFF"/>
                 </a:solidFill>
@@ -7104,7 +7353,7 @@
               <a:t>(0,</a:t>
             </a:r>
             <a:r>
-              <a:rPr dirty="0" sz="2000">
+              <a:rPr sz="2000" dirty="0">
                 <a:solidFill>
                   <a:srgbClr val="FFFFFF"/>
                 </a:solidFill>
@@ -7114,7 +7363,7 @@
               <a:t>屏幕高度的一</a:t>
             </a:r>
             <a:r>
-              <a:rPr dirty="0" sz="2000" spc="-15">
+              <a:rPr sz="2000" spc="-15" dirty="0">
                 <a:solidFill>
                   <a:srgbClr val="FFFFFF"/>
                 </a:solidFill>
@@ -7124,7 +7373,7 @@
               <a:t>半</a:t>
             </a:r>
             <a:r>
-              <a:rPr dirty="0" sz="2000" spc="-90">
+              <a:rPr sz="2000" spc="-90" dirty="0">
                 <a:solidFill>
                   <a:srgbClr val="FFFFFF"/>
                 </a:solidFill>
@@ -7134,7 +7383,7 @@
               <a:t>)</a:t>
             </a:r>
             <a:r>
-              <a:rPr dirty="0" sz="2000" spc="-90">
+              <a:rPr sz="2000" spc="-90" dirty="0">
                 <a:solidFill>
                   <a:srgbClr val="FFFFFF"/>
                 </a:solidFill>
@@ -7144,7 +7393,7 @@
               <a:t>，</a:t>
             </a:r>
             <a:r>
-              <a:rPr dirty="0" sz="2000">
+              <a:rPr sz="2000" dirty="0">
                 <a:solidFill>
                   <a:srgbClr val="FFFFFF"/>
                 </a:solidFill>
@@ -7154,7 +7403,7 @@
               <a:t>其上有一老鼠精灵，初始坐标为</a:t>
             </a:r>
             <a:r>
-              <a:rPr dirty="0" sz="2000" spc="-15">
+              <a:rPr sz="2000" spc="-15" dirty="0">
                 <a:solidFill>
                   <a:srgbClr val="FFFFFF"/>
                 </a:solidFill>
@@ -7164,7 +7413,7 @@
               <a:t>（</a:t>
             </a:r>
             <a:r>
-              <a:rPr dirty="0" sz="2000">
+              <a:rPr sz="2000" dirty="0">
                 <a:solidFill>
                   <a:srgbClr val="FFFFFF"/>
                 </a:solidFill>
@@ -7174,7 +7423,7 @@
               <a:t>屏幕</a:t>
             </a:r>
             <a:r>
-              <a:rPr dirty="0" sz="2000" spc="-15">
+              <a:rPr sz="2000" spc="-15" dirty="0">
                 <a:solidFill>
                   <a:srgbClr val="FFFFFF"/>
                 </a:solidFill>
@@ -7184,7 +7433,7 @@
               <a:t>宽</a:t>
             </a:r>
             <a:r>
-              <a:rPr dirty="0" sz="2000">
+              <a:rPr sz="2000" dirty="0">
                 <a:solidFill>
                   <a:srgbClr val="FFFFFF"/>
                 </a:solidFill>
@@ -7194,7 +7443,7 @@
               <a:t>度的 一半</a:t>
             </a:r>
             <a:r>
-              <a:rPr dirty="0" sz="2000" spc="-50">
+              <a:rPr sz="2000" spc="-50" dirty="0">
                 <a:solidFill>
                   <a:srgbClr val="FFFFFF"/>
                 </a:solidFill>
@@ -7204,7 +7453,7 @@
               <a:t>，</a:t>
             </a:r>
             <a:r>
-              <a:rPr dirty="0" sz="2000" spc="-50">
+              <a:rPr sz="2000" spc="-50" dirty="0">
                 <a:solidFill>
                   <a:srgbClr val="FFFFFF"/>
                 </a:solidFill>
@@ -7214,7 +7463,7 @@
               <a:t>0</a:t>
             </a:r>
             <a:r>
-              <a:rPr dirty="0" sz="2000" spc="-50">
+              <a:rPr sz="2000" spc="-50" dirty="0">
                 <a:solidFill>
                   <a:srgbClr val="FFFFFF"/>
                 </a:solidFill>
@@ -7224,7 +7473,7 @@
               <a:t>）</a:t>
             </a:r>
             <a:r>
-              <a:rPr dirty="0" sz="2000">
+              <a:rPr sz="2000" dirty="0">
                 <a:solidFill>
                   <a:srgbClr val="FFFFFF"/>
                 </a:solidFill>
@@ -7234,7 +7483,7 @@
               <a:t>。有一个</a:t>
             </a:r>
             <a:r>
-              <a:rPr dirty="0" sz="2000" spc="5">
+              <a:rPr sz="2000" spc="5" dirty="0">
                 <a:solidFill>
                   <a:srgbClr val="FFFFFF"/>
                 </a:solidFill>
@@ -7244,7 +7493,7 @@
               <a:t>Label</a:t>
             </a:r>
             <a:r>
-              <a:rPr dirty="0" sz="2000" spc="5">
+              <a:rPr sz="2000" spc="5" dirty="0">
                 <a:solidFill>
                   <a:srgbClr val="FFFFFF"/>
                 </a:solidFill>
@@ -7254,7 +7503,7 @@
               <a:t>，</a:t>
             </a:r>
             <a:r>
-              <a:rPr dirty="0" sz="2000" spc="-15">
+              <a:rPr sz="2000" spc="-15" dirty="0">
                 <a:solidFill>
                   <a:srgbClr val="FFFFFF"/>
                 </a:solidFill>
@@ -7264,7 +7513,7 @@
               <a:t>作</a:t>
             </a:r>
             <a:r>
-              <a:rPr dirty="0" sz="2000">
+              <a:rPr sz="2000" dirty="0">
                 <a:solidFill>
                   <a:srgbClr val="FFFFFF"/>
                 </a:solidFill>
@@ -7274,7 +7523,7 @@
               <a:t>为</a:t>
             </a:r>
             <a:r>
-              <a:rPr dirty="0" sz="2000" spc="-45">
+              <a:rPr sz="2000" spc="-45" dirty="0">
                 <a:solidFill>
                   <a:srgbClr val="FFFFFF"/>
                 </a:solidFill>
@@ -7284,7 +7533,7 @@
               <a:t>shoot</a:t>
             </a:r>
             <a:r>
-              <a:rPr dirty="0" sz="2000" spc="-15">
+              <a:rPr sz="2000" spc="-15" dirty="0">
                 <a:solidFill>
                   <a:srgbClr val="FFFFFF"/>
                 </a:solidFill>
@@ -7294,7 +7543,7 @@
               <a:t>按</a:t>
             </a:r>
             <a:r>
-              <a:rPr dirty="0" sz="2000">
+              <a:rPr sz="2000" dirty="0">
                 <a:solidFill>
                   <a:srgbClr val="FFFFFF"/>
                 </a:solidFill>
@@ -7303,7 +7552,7 @@
               </a:rPr>
               <a:t>钮。</a:t>
             </a:r>
-            <a:endParaRPr sz="2000">
+            <a:endParaRPr sz="2000" dirty="0">
               <a:latin typeface="Droid Sans Fallback"/>
               <a:cs typeface="Droid Sans Fallback"/>
             </a:endParaRPr>
@@ -7321,7 +7570,7 @@
               </a:tabLst>
             </a:pPr>
             <a:r>
-              <a:rPr dirty="0" sz="1600" spc="270">
+              <a:rPr sz="1600" spc="270" dirty="0">
                 <a:solidFill>
                   <a:srgbClr val="89D0D5"/>
                 </a:solidFill>
@@ -7331,7 +7580,7 @@
               <a:t>	</a:t>
             </a:r>
             <a:r>
-              <a:rPr dirty="0" sz="2000">
+              <a:rPr sz="2000" dirty="0">
                 <a:solidFill>
                   <a:srgbClr val="FFFFFF"/>
                 </a:solidFill>
@@ -7341,7 +7590,7 @@
               <a:t>游戏要求：游戏开始后</a:t>
             </a:r>
             <a:r>
-              <a:rPr dirty="0" sz="2000" spc="-15">
+              <a:rPr sz="2000" spc="-15" dirty="0">
                 <a:solidFill>
                   <a:srgbClr val="FFFFFF"/>
                 </a:solidFill>
@@ -7351,7 +7600,7 @@
               <a:t>，</a:t>
             </a:r>
             <a:r>
-              <a:rPr dirty="0" sz="2000">
+              <a:rPr sz="2000" dirty="0">
                 <a:solidFill>
                   <a:srgbClr val="FFFFFF"/>
                 </a:solidFill>
@@ -7361,7 +7610,7 @@
               <a:t>点击</a:t>
             </a:r>
             <a:r>
-              <a:rPr dirty="0" sz="2000" spc="-15">
+              <a:rPr sz="2000" spc="-15" dirty="0">
                 <a:solidFill>
                   <a:srgbClr val="FFFFFF"/>
                 </a:solidFill>
@@ -7371,7 +7620,7 @@
               <a:t>屏</a:t>
             </a:r>
             <a:r>
-              <a:rPr dirty="0" sz="2000">
+              <a:rPr sz="2000" dirty="0">
                 <a:solidFill>
                   <a:srgbClr val="FFFFFF"/>
                 </a:solidFill>
@@ -7381,7 +7630,7 @@
               <a:t>幕任</a:t>
             </a:r>
             <a:r>
-              <a:rPr dirty="0" sz="2000" spc="-15">
+              <a:rPr sz="2000" spc="-15" dirty="0">
                 <a:solidFill>
                   <a:srgbClr val="FFFFFF"/>
                 </a:solidFill>
@@ -7391,7 +7640,7 @@
               <a:t>意</a:t>
             </a:r>
             <a:r>
-              <a:rPr dirty="0" sz="2000">
+              <a:rPr sz="2000" dirty="0">
                 <a:solidFill>
                   <a:srgbClr val="FFFFFF"/>
                 </a:solidFill>
@@ -7401,7 +7650,7 @@
               <a:t>位置</a:t>
             </a:r>
             <a:r>
-              <a:rPr dirty="0" sz="2000" spc="-15">
+              <a:rPr sz="2000" spc="-15" dirty="0">
                 <a:solidFill>
                   <a:srgbClr val="FFFFFF"/>
                 </a:solidFill>
@@ -7411,7 +7660,7 @@
               <a:t>，</a:t>
             </a:r>
             <a:r>
-              <a:rPr dirty="0" sz="2000">
+              <a:rPr sz="2000" dirty="0">
                 <a:solidFill>
                   <a:srgbClr val="FFFFFF"/>
                 </a:solidFill>
@@ -7421,7 +7670,7 @@
               <a:t>在该</a:t>
             </a:r>
             <a:r>
-              <a:rPr dirty="0" sz="2000" spc="-15">
+              <a:rPr sz="2000" spc="-15" dirty="0">
                 <a:solidFill>
                   <a:srgbClr val="FFFFFF"/>
                 </a:solidFill>
@@ -7431,7 +7680,7 @@
               <a:t>位</a:t>
             </a:r>
             <a:r>
-              <a:rPr dirty="0" sz="2000">
+              <a:rPr sz="2000" dirty="0">
                 <a:solidFill>
                   <a:srgbClr val="FFFFFF"/>
                 </a:solidFill>
@@ -7441,7 +7690,7 @@
               <a:t>置添</a:t>
             </a:r>
             <a:r>
-              <a:rPr dirty="0" sz="2000" spc="-15">
+              <a:rPr sz="2000" spc="-15" dirty="0">
                 <a:solidFill>
                   <a:srgbClr val="FFFFFF"/>
                 </a:solidFill>
@@ -7451,7 +7700,7 @@
               <a:t>加</a:t>
             </a:r>
             <a:r>
-              <a:rPr dirty="0" sz="2000">
+              <a:rPr sz="2000" dirty="0">
                 <a:solidFill>
                   <a:srgbClr val="FFFFFF"/>
                 </a:solidFill>
@@ -7461,7 +7710,7 @@
               <a:t>一块</a:t>
             </a:r>
             <a:r>
-              <a:rPr dirty="0" sz="2000" spc="-15">
+              <a:rPr sz="2000" spc="-15" dirty="0">
                 <a:solidFill>
                   <a:srgbClr val="FFFFFF"/>
                 </a:solidFill>
@@ -7471,7 +7720,7 @@
               <a:t>奶</a:t>
             </a:r>
             <a:r>
-              <a:rPr dirty="0" sz="2000">
+              <a:rPr sz="2000" dirty="0">
                 <a:solidFill>
                   <a:srgbClr val="FFFFFF"/>
                 </a:solidFill>
@@ -7481,7 +7730,7 @@
               <a:t>酪，</a:t>
             </a:r>
             <a:r>
-              <a:rPr dirty="0" sz="2000" spc="-15">
+              <a:rPr sz="2000" spc="-15" dirty="0">
                 <a:solidFill>
                   <a:srgbClr val="FFFFFF"/>
                 </a:solidFill>
@@ -7491,7 +7740,7 @@
               <a:t>老</a:t>
             </a:r>
             <a:r>
-              <a:rPr dirty="0" sz="2000">
+              <a:rPr sz="2000" dirty="0">
                 <a:solidFill>
                   <a:srgbClr val="FFFFFF"/>
                 </a:solidFill>
@@ -7501,7 +7750,7 @@
               <a:t>鼠 跑到该位置吃掉奶酪；</a:t>
             </a:r>
             <a:r>
-              <a:rPr dirty="0" sz="2000" spc="-15">
+              <a:rPr sz="2000" spc="-15" dirty="0">
                 <a:solidFill>
                   <a:srgbClr val="FFFFFF"/>
                 </a:solidFill>
@@ -7511,7 +7760,7 @@
               <a:t>点</a:t>
             </a:r>
             <a:r>
-              <a:rPr dirty="0" sz="2000">
+              <a:rPr sz="2000" dirty="0">
                 <a:solidFill>
                   <a:srgbClr val="FFFFFF"/>
                 </a:solidFill>
@@ -7521,7 +7770,7 @@
               <a:t>击</a:t>
             </a:r>
             <a:r>
-              <a:rPr dirty="0" sz="2000" spc="-50">
+              <a:rPr sz="2000" spc="-50" dirty="0">
                 <a:solidFill>
                   <a:srgbClr val="FFFFFF"/>
                 </a:solidFill>
@@ -7531,7 +7780,7 @@
               <a:t>shoot</a:t>
             </a:r>
             <a:r>
-              <a:rPr dirty="0" sz="2000" spc="-15">
+              <a:rPr sz="2000" spc="-15" dirty="0">
                 <a:solidFill>
                   <a:srgbClr val="FFFFFF"/>
                 </a:solidFill>
@@ -7541,7 +7790,7 @@
               <a:t>按</a:t>
             </a:r>
             <a:r>
-              <a:rPr dirty="0" sz="2000">
+              <a:rPr sz="2000" dirty="0">
                 <a:solidFill>
                   <a:srgbClr val="FFFFFF"/>
                 </a:solidFill>
@@ -7551,7 +7800,7 @@
               <a:t>钮，</a:t>
             </a:r>
             <a:r>
-              <a:rPr dirty="0" sz="2000" spc="-15">
+              <a:rPr sz="2000" spc="-15" dirty="0">
                 <a:solidFill>
                   <a:srgbClr val="FFFFFF"/>
                 </a:solidFill>
@@ -7561,7 +7810,7 @@
               <a:t>石</a:t>
             </a:r>
             <a:r>
-              <a:rPr dirty="0" sz="2000">
+              <a:rPr sz="2000" dirty="0">
                 <a:solidFill>
                   <a:srgbClr val="FFFFFF"/>
                 </a:solidFill>
@@ -7571,7 +7820,7 @@
               <a:t>头发</a:t>
             </a:r>
             <a:r>
-              <a:rPr dirty="0" sz="2000" spc="-15">
+              <a:rPr sz="2000" spc="-15" dirty="0">
                 <a:solidFill>
                   <a:srgbClr val="FFFFFF"/>
                 </a:solidFill>
@@ -7581,7 +7830,7 @@
               <a:t>射</a:t>
             </a:r>
             <a:r>
-              <a:rPr dirty="0" sz="2000">
+              <a:rPr sz="2000" dirty="0">
                 <a:solidFill>
                   <a:srgbClr val="FFFFFF"/>
                 </a:solidFill>
@@ -7591,7 +7840,7 @@
               <a:t>到老</a:t>
             </a:r>
             <a:r>
-              <a:rPr dirty="0" sz="2000" spc="-15">
+              <a:rPr sz="2000" spc="-15" dirty="0">
                 <a:solidFill>
                   <a:srgbClr val="FFFFFF"/>
                 </a:solidFill>
@@ -7601,7 +7850,7 @@
               <a:t>鼠</a:t>
             </a:r>
             <a:r>
-              <a:rPr dirty="0" sz="2000">
+              <a:rPr sz="2000" dirty="0">
                 <a:solidFill>
                   <a:srgbClr val="FFFFFF"/>
                 </a:solidFill>
@@ -7611,7 +7860,7 @@
               <a:t>所在</a:t>
             </a:r>
             <a:r>
-              <a:rPr dirty="0" sz="2000" spc="-15">
+              <a:rPr sz="2000" spc="-15" dirty="0">
                 <a:solidFill>
                   <a:srgbClr val="FFFFFF"/>
                 </a:solidFill>
@@ -7621,7 +7870,7 @@
               <a:t>的</a:t>
             </a:r>
             <a:r>
-              <a:rPr dirty="0" sz="2000">
+              <a:rPr sz="2000" dirty="0">
                 <a:solidFill>
                   <a:srgbClr val="FFFFFF"/>
                 </a:solidFill>
@@ -7631,7 +7880,7 @@
               <a:t>位置</a:t>
             </a:r>
             <a:r>
-              <a:rPr dirty="0" sz="2000" spc="-15">
+              <a:rPr sz="2000" spc="-15" dirty="0">
                 <a:solidFill>
                   <a:srgbClr val="FFFFFF"/>
                 </a:solidFill>
@@ -7641,7 +7890,7 @@
               <a:t>，</a:t>
             </a:r>
             <a:r>
-              <a:rPr dirty="0" sz="2000">
+              <a:rPr sz="2000" dirty="0">
                 <a:solidFill>
                   <a:srgbClr val="FFFFFF"/>
                 </a:solidFill>
@@ -7650,7 +7899,7 @@
               </a:rPr>
               <a:t>老鼠 跑开，留下钻石。</a:t>
             </a:r>
-            <a:endParaRPr sz="2000">
+            <a:endParaRPr sz="2000" dirty="0">
               <a:latin typeface="Droid Sans Fallback"/>
               <a:cs typeface="Droid Sans Fallback"/>
             </a:endParaRPr>
@@ -7668,27 +7917,17 @@
               </a:tabLst>
             </a:pPr>
             <a:r>
-              <a:rPr dirty="0" sz="1600" spc="270">
+              <a:rPr sz="1600" spc="270" dirty="0">
                 <a:solidFill>
                   <a:srgbClr val="89D0D5"/>
                 </a:solidFill>
                 <a:latin typeface="Arial"/>
                 <a:cs typeface="Arial"/>
               </a:rPr>
-              <a:t></a:t>
-            </a:r>
-            <a:r>
-              <a:rPr dirty="0" sz="1600" spc="270">
-                <a:solidFill>
-                  <a:srgbClr val="89D0D5"/>
-                </a:solidFill>
-                <a:latin typeface="Arial"/>
-                <a:cs typeface="Arial"/>
-              </a:rPr>
-              <a:t>	</a:t>
-            </a:r>
-            <a:r>
-              <a:rPr dirty="0" sz="2000">
+              <a:t>	</a:t>
+            </a:r>
+            <a:r>
+              <a:rPr sz="2000" dirty="0">
                 <a:solidFill>
                   <a:srgbClr val="FFFFFF"/>
                 </a:solidFill>
@@ -7698,7 +7937,7 @@
               <a:t>加分项：尝试添加一两</a:t>
             </a:r>
             <a:r>
-              <a:rPr dirty="0" sz="2000" spc="-15">
+              <a:rPr sz="2000" spc="-15" dirty="0">
                 <a:solidFill>
                   <a:srgbClr val="FFFFFF"/>
                 </a:solidFill>
@@ -7708,7 +7947,7 @@
               <a:t>个</a:t>
             </a:r>
             <a:r>
-              <a:rPr dirty="0" sz="2000">
+              <a:rPr sz="2000" dirty="0">
                 <a:solidFill>
                   <a:srgbClr val="FFFFFF"/>
                 </a:solidFill>
@@ -7717,7 +7956,7 @@
               </a:rPr>
               <a:t>动画</a:t>
             </a:r>
-            <a:endParaRPr sz="2000">
+            <a:endParaRPr sz="2000" dirty="0">
               <a:latin typeface="Droid Sans Fallback"/>
               <a:cs typeface="Droid Sans Fallback"/>
             </a:endParaRPr>
@@ -7735,7 +7974,7 @@
               </a:tabLst>
             </a:pPr>
             <a:r>
-              <a:rPr dirty="0" sz="1600" spc="270">
+              <a:rPr sz="1600" spc="270" dirty="0">
                 <a:solidFill>
                   <a:srgbClr val="89D0D5"/>
                 </a:solidFill>
@@ -7745,7 +7984,7 @@
               <a:t>	</a:t>
             </a:r>
             <a:r>
-              <a:rPr dirty="0" sz="2000">
+              <a:rPr sz="2000" dirty="0">
                 <a:solidFill>
                   <a:srgbClr val="FFFFFF"/>
                 </a:solidFill>
@@ -7755,7 +7994,7 @@
               <a:t>作业提交：提交</a:t>
             </a:r>
             <a:r>
-              <a:rPr dirty="0" sz="2000">
+              <a:rPr sz="2000" dirty="0">
                 <a:solidFill>
                   <a:srgbClr val="FFFF00"/>
                 </a:solidFill>
@@ -7765,7 +8004,7 @@
               <a:t>实验报</a:t>
             </a:r>
             <a:r>
-              <a:rPr dirty="0" sz="2000" spc="-15">
+              <a:rPr sz="2000" spc="-15" dirty="0">
                 <a:solidFill>
                   <a:srgbClr val="FFFF00"/>
                 </a:solidFill>
@@ -7775,7 +8014,7 @@
               <a:t>告</a:t>
             </a:r>
             <a:r>
-              <a:rPr dirty="0" sz="2000">
+              <a:rPr sz="2000" dirty="0">
                 <a:solidFill>
                   <a:srgbClr val="FFFFFF"/>
                 </a:solidFill>
@@ -7785,7 +8024,7 @@
               <a:t>（文</a:t>
             </a:r>
             <a:r>
-              <a:rPr dirty="0" sz="2000" spc="-15">
+              <a:rPr sz="2000" spc="-15" dirty="0">
                 <a:solidFill>
                   <a:srgbClr val="FFFFFF"/>
                 </a:solidFill>
@@ -7795,7 +8034,7 @@
               <a:t>档</a:t>
             </a:r>
             <a:r>
-              <a:rPr dirty="0" sz="2000" spc="-50">
+              <a:rPr sz="2000" spc="-50" dirty="0">
                 <a:solidFill>
                   <a:srgbClr val="FFFFFF"/>
                 </a:solidFill>
@@ -7805,7 +8044,7 @@
               <a:t>），</a:t>
             </a:r>
             <a:r>
-              <a:rPr dirty="0" sz="2000" spc="-50">
+              <a:rPr sz="2000" spc="-50" dirty="0">
                 <a:solidFill>
                   <a:srgbClr val="FFFF00"/>
                 </a:solidFill>
@@ -7815,7 +8054,7 @@
               <a:t>Classes</a:t>
             </a:r>
             <a:r>
-              <a:rPr dirty="0" sz="2000" spc="-50">
+              <a:rPr sz="2000" spc="-50" dirty="0">
                 <a:solidFill>
                   <a:srgbClr val="FFFFFF"/>
                 </a:solidFill>
@@ -7825,7 +8064,7 @@
               <a:t>（</a:t>
             </a:r>
             <a:r>
-              <a:rPr dirty="0" sz="2000" spc="-15">
+              <a:rPr sz="2000" spc="-15" dirty="0">
                 <a:solidFill>
                   <a:srgbClr val="FFFFFF"/>
                 </a:solidFill>
@@ -7835,7 +8074,7 @@
               <a:t>文</a:t>
             </a:r>
             <a:r>
-              <a:rPr dirty="0" sz="2000">
+              <a:rPr sz="2000" dirty="0">
                 <a:solidFill>
                   <a:srgbClr val="FFFFFF"/>
                 </a:solidFill>
@@ -7845,7 +8084,7 @@
               <a:t>件夹</a:t>
             </a:r>
             <a:r>
-              <a:rPr dirty="0" sz="2000" spc="-45">
+              <a:rPr sz="2000" spc="-45" dirty="0">
                 <a:solidFill>
                   <a:srgbClr val="FFFFFF"/>
                 </a:solidFill>
@@ -7855,7 +8094,7 @@
               <a:t>），</a:t>
             </a:r>
             <a:r>
-              <a:rPr dirty="0" sz="2000" spc="-45">
+              <a:rPr sz="2000" spc="-45" dirty="0">
                 <a:solidFill>
                   <a:srgbClr val="FFFF00"/>
                 </a:solidFill>
@@ -7865,7 +8104,7 @@
               <a:t>Resources</a:t>
             </a:r>
             <a:r>
-              <a:rPr dirty="0" sz="2000" spc="-45">
+              <a:rPr sz="2000" spc="-45" dirty="0">
                 <a:solidFill>
                   <a:srgbClr val="FFFFFF"/>
                 </a:solidFill>
@@ -7875,7 +8114,7 @@
               <a:t>（</a:t>
             </a:r>
             <a:r>
-              <a:rPr dirty="0" sz="2000">
+              <a:rPr sz="2000" dirty="0">
                 <a:solidFill>
                   <a:srgbClr val="FFFFFF"/>
                 </a:solidFill>
@@ -7885,7 +8124,7 @@
               <a:t>文件 夹）。实验报告要求有</a:t>
             </a:r>
             <a:r>
-              <a:rPr dirty="0" sz="2000" spc="-15">
+              <a:rPr sz="2000" spc="-15" dirty="0">
                 <a:solidFill>
                   <a:srgbClr val="FFFFFF"/>
                 </a:solidFill>
@@ -7895,7 +8134,7 @@
               <a:t>截</a:t>
             </a:r>
             <a:r>
-              <a:rPr dirty="0" sz="2000">
+              <a:rPr sz="2000" dirty="0">
                 <a:solidFill>
                   <a:srgbClr val="FFFFFF"/>
                 </a:solidFill>
@@ -7904,7 +8143,7 @@
               </a:rPr>
               <a:t>图。</a:t>
             </a:r>
-            <a:endParaRPr sz="2000">
+            <a:endParaRPr sz="2000" dirty="0">
               <a:latin typeface="Droid Sans Fallback"/>
               <a:cs typeface="Droid Sans Fallback"/>
             </a:endParaRPr>
